--- a/notes/csc493-ln017.pptx
+++ b/notes/csc493-ln017.pptx
@@ -5,10 +5,10 @@
     <p:sldMasterId id="2147483651" r:id="rId1"/>
   </p:sldMasterIdLst>
   <p:notesMasterIdLst>
-    <p:notesMasterId r:id="rId8"/>
+    <p:notesMasterId r:id="rId11"/>
   </p:notesMasterIdLst>
   <p:handoutMasterIdLst>
-    <p:handoutMasterId r:id="rId9"/>
+    <p:handoutMasterId r:id="rId12"/>
   </p:handoutMasterIdLst>
   <p:sldIdLst>
     <p:sldId id="268" r:id="rId2"/>
@@ -16,7 +16,10 @@
     <p:sldId id="270" r:id="rId4"/>
     <p:sldId id="271" r:id="rId5"/>
     <p:sldId id="272" r:id="rId6"/>
-    <p:sldId id="273" r:id="rId7"/>
+    <p:sldId id="274" r:id="rId7"/>
+    <p:sldId id="273" r:id="rId8"/>
+    <p:sldId id="275" r:id="rId9"/>
+    <p:sldId id="276" r:id="rId10"/>
   </p:sldIdLst>
   <p:sldSz cx="9144000" cy="6858000" type="screen4x3"/>
   <p:notesSz cx="6856413" cy="9083675"/>
@@ -5812,6 +5815,479 @@
           <a:p>
             <a:r>
               <a:rPr lang="en-US" dirty="0"/>
+              <a:t>Constraint Patterns</a:t>
+            </a:r>
+          </a:p>
+        </p:txBody>
+      </p:sp>
+      <p:sp>
+        <p:nvSpPr>
+          <p:cNvPr id="5" name="TextBox 4">
+            <a:extLst>
+              <a:ext uri="{FF2B5EF4-FFF2-40B4-BE49-F238E27FC236}">
+                <a16:creationId xmlns:a16="http://schemas.microsoft.com/office/drawing/2014/main" id="{8A2F6B68-BC89-F744-A6D5-48AA6E508D2D}"/>
+              </a:ext>
+            </a:extLst>
+          </p:cNvPr>
+          <p:cNvSpPr txBox="1"/>
+          <p:nvPr/>
+        </p:nvSpPr>
+        <p:spPr>
+          <a:xfrm>
+            <a:off x="7467600" y="6400800"/>
+            <a:ext cx="1537344" cy="307777"/>
+          </a:xfrm>
+          <a:prstGeom prst="rect">
+            <a:avLst/>
+          </a:prstGeom>
+          <a:noFill/>
+        </p:spPr>
+        <p:txBody>
+          <a:bodyPr wrap="none" rtlCol="0">
+            <a:spAutoFit/>
+          </a:bodyPr>
+          <a:lstStyle/>
+          <a:p>
+            <a:r>
+              <a:rPr lang="en-US" sz="1400" dirty="0"/>
+              <a:t>ln017/</a:t>
+            </a:r>
+            <a:r>
+              <a:rPr lang="en-US" sz="1400" dirty="0" err="1"/>
+              <a:t>qconstr.ast</a:t>
+            </a:r>
+            <a:endParaRPr lang="en-US" sz="1400" dirty="0"/>
+          </a:p>
+        </p:txBody>
+      </p:sp>
+      <p:pic>
+        <p:nvPicPr>
+          <p:cNvPr id="3" name="Picture 2">
+            <a:extLst>
+              <a:ext uri="{FF2B5EF4-FFF2-40B4-BE49-F238E27FC236}">
+                <a16:creationId xmlns:a16="http://schemas.microsoft.com/office/drawing/2014/main" id="{24551180-1824-694A-A57C-5B0DE3294610}"/>
+              </a:ext>
+            </a:extLst>
+          </p:cNvPr>
+          <p:cNvPicPr>
+            <a:picLocks noChangeAspect="1"/>
+          </p:cNvPicPr>
+          <p:nvPr/>
+        </p:nvPicPr>
+        <p:blipFill>
+          <a:blip r:embed="rId2"/>
+          <a:stretch>
+            <a:fillRect/>
+          </a:stretch>
+        </p:blipFill>
+        <p:spPr>
+          <a:xfrm>
+            <a:off x="603738" y="1308879"/>
+            <a:ext cx="6502308" cy="5399698"/>
+          </a:xfrm>
+          <a:prstGeom prst="rect">
+            <a:avLst/>
+          </a:prstGeom>
+          <a:ln>
+            <a:solidFill>
+              <a:schemeClr val="tx1"/>
+            </a:solidFill>
+          </a:ln>
+        </p:spPr>
+      </p:pic>
+      <p:sp>
+        <p:nvSpPr>
+          <p:cNvPr id="6" name="Left Arrow 5">
+            <a:extLst>
+              <a:ext uri="{FF2B5EF4-FFF2-40B4-BE49-F238E27FC236}">
+                <a16:creationId xmlns:a16="http://schemas.microsoft.com/office/drawing/2014/main" id="{4FE744BD-E414-8C44-BC1A-95D36C6D87AC}"/>
+              </a:ext>
+            </a:extLst>
+          </p:cNvPr>
+          <p:cNvSpPr/>
+          <p:nvPr/>
+        </p:nvSpPr>
+        <p:spPr bwMode="auto">
+          <a:xfrm>
+            <a:off x="6477000" y="2057400"/>
+            <a:ext cx="381000" cy="152400"/>
+          </a:xfrm>
+          <a:prstGeom prst="leftArrow">
+            <a:avLst/>
+          </a:prstGeom>
+          <a:solidFill>
+            <a:srgbClr val="FF0000"/>
+          </a:solidFill>
+          <a:ln w="9525" cap="flat" cmpd="sng" algn="ctr">
+            <a:solidFill>
+              <a:schemeClr val="tx1"/>
+            </a:solidFill>
+            <a:prstDash val="solid"/>
+            <a:round/>
+            <a:headEnd type="none" w="med" len="med"/>
+            <a:tailEnd type="none" w="med" len="med"/>
+          </a:ln>
+          <a:effectLst/>
+          <a:extLst>
+            <a:ext uri="{AF507438-7753-43e0-B8FC-AC1667EBCBE1}">
+              <a14:hiddenEffects xmlns:a14="http://schemas.microsoft.com/office/drawing/2010/main" xmlns="">
+                <a:effectLst>
+                  <a:outerShdw blurRad="63500" dist="38099" dir="2700000" algn="ctr" rotWithShape="0">
+                    <a:schemeClr val="bg2">
+                      <a:alpha val="74998"/>
+                    </a:schemeClr>
+                  </a:outerShdw>
+                </a:effectLst>
+              </a14:hiddenEffects>
+            </a:ext>
+          </a:extLst>
+        </p:spPr>
+        <p:txBody>
+          <a:bodyPr vert="horz" wrap="square" lIns="91440" tIns="45720" rIns="91440" bIns="45720" numCol="1" rtlCol="0" anchor="t" anchorCtr="0" compatLnSpc="1">
+            <a:prstTxWarp prst="textNoShape">
+              <a:avLst/>
+            </a:prstTxWarp>
+          </a:bodyPr>
+          <a:lstStyle/>
+          <a:p>
+            <a:pPr marL="0" marR="0" indent="0" algn="l" defTabSz="914400" rtl="0" eaLnBrk="0" fontAlgn="base" latinLnBrk="0" hangingPunct="0">
+              <a:lnSpc>
+                <a:spcPct val="100000"/>
+              </a:lnSpc>
+              <a:spcBef>
+                <a:spcPct val="0"/>
+              </a:spcBef>
+              <a:spcAft>
+                <a:spcPct val="0"/>
+              </a:spcAft>
+              <a:buClrTx/>
+              <a:buSzTx/>
+              <a:buFontTx/>
+              <a:buNone/>
+              <a:tabLst/>
+            </a:pPr>
+            <a:endParaRPr kumimoji="0" lang="en-US" sz="1600" b="0" i="0" u="none" strike="noStrike" cap="none" normalizeH="0" baseline="0" dirty="0">
+              <a:ln>
+                <a:noFill/>
+              </a:ln>
+              <a:solidFill>
+                <a:srgbClr val="000000"/>
+              </a:solidFill>
+              <a:effectLst/>
+              <a:latin typeface="Arial" charset="0"/>
+              <a:ea typeface="ＭＳ Ｐゴシック" charset="0"/>
+            </a:endParaRPr>
+          </a:p>
+        </p:txBody>
+      </p:sp>
+      <p:sp>
+        <p:nvSpPr>
+          <p:cNvPr id="7" name="Left Arrow 6">
+            <a:extLst>
+              <a:ext uri="{FF2B5EF4-FFF2-40B4-BE49-F238E27FC236}">
+                <a16:creationId xmlns:a16="http://schemas.microsoft.com/office/drawing/2014/main" id="{E755A46F-878F-F541-B836-4EFDA35870B6}"/>
+              </a:ext>
+            </a:extLst>
+          </p:cNvPr>
+          <p:cNvSpPr/>
+          <p:nvPr/>
+        </p:nvSpPr>
+        <p:spPr bwMode="auto">
+          <a:xfrm rot="19786541">
+            <a:off x="2590800" y="2438400"/>
+            <a:ext cx="381000" cy="152400"/>
+          </a:xfrm>
+          <a:prstGeom prst="leftArrow">
+            <a:avLst/>
+          </a:prstGeom>
+          <a:solidFill>
+            <a:srgbClr val="FF0000"/>
+          </a:solidFill>
+          <a:ln w="9525" cap="flat" cmpd="sng" algn="ctr">
+            <a:solidFill>
+              <a:schemeClr val="tx1"/>
+            </a:solidFill>
+            <a:prstDash val="solid"/>
+            <a:round/>
+            <a:headEnd type="none" w="med" len="med"/>
+            <a:tailEnd type="none" w="med" len="med"/>
+          </a:ln>
+          <a:effectLst/>
+          <a:extLst>
+            <a:ext uri="{AF507438-7753-43e0-B8FC-AC1667EBCBE1}">
+              <a14:hiddenEffects xmlns:a14="http://schemas.microsoft.com/office/drawing/2010/main" xmlns="">
+                <a:effectLst>
+                  <a:outerShdw blurRad="63500" dist="38099" dir="2700000" algn="ctr" rotWithShape="0">
+                    <a:schemeClr val="bg2">
+                      <a:alpha val="74998"/>
+                    </a:schemeClr>
+                  </a:outerShdw>
+                </a:effectLst>
+              </a14:hiddenEffects>
+            </a:ext>
+          </a:extLst>
+        </p:spPr>
+        <p:txBody>
+          <a:bodyPr vert="horz" wrap="square" lIns="91440" tIns="45720" rIns="91440" bIns="45720" numCol="1" rtlCol="0" anchor="t" anchorCtr="0" compatLnSpc="1">
+            <a:prstTxWarp prst="textNoShape">
+              <a:avLst/>
+            </a:prstTxWarp>
+          </a:bodyPr>
+          <a:lstStyle/>
+          <a:p>
+            <a:pPr marL="0" marR="0" indent="0" algn="l" defTabSz="914400" rtl="0" eaLnBrk="0" fontAlgn="base" latinLnBrk="0" hangingPunct="0">
+              <a:lnSpc>
+                <a:spcPct val="100000"/>
+              </a:lnSpc>
+              <a:spcBef>
+                <a:spcPct val="0"/>
+              </a:spcBef>
+              <a:spcAft>
+                <a:spcPct val="0"/>
+              </a:spcAft>
+              <a:buClrTx/>
+              <a:buSzTx/>
+              <a:buFontTx/>
+              <a:buNone/>
+              <a:tabLst/>
+            </a:pPr>
+            <a:endParaRPr kumimoji="0" lang="en-US" sz="1600" b="0" i="0" u="none" strike="noStrike" cap="none" normalizeH="0" baseline="0" dirty="0">
+              <a:ln>
+                <a:noFill/>
+              </a:ln>
+              <a:solidFill>
+                <a:srgbClr val="000000"/>
+              </a:solidFill>
+              <a:effectLst/>
+              <a:latin typeface="Arial" charset="0"/>
+              <a:ea typeface="ＭＳ Ｐゴシック" charset="0"/>
+            </a:endParaRPr>
+          </a:p>
+        </p:txBody>
+      </p:sp>
+      <p:sp>
+        <p:nvSpPr>
+          <p:cNvPr id="8" name="Left Arrow 7">
+            <a:extLst>
+              <a:ext uri="{FF2B5EF4-FFF2-40B4-BE49-F238E27FC236}">
+                <a16:creationId xmlns:a16="http://schemas.microsoft.com/office/drawing/2014/main" id="{5384C28B-4886-AF4D-8C35-8D4EDE31519D}"/>
+              </a:ext>
+            </a:extLst>
+          </p:cNvPr>
+          <p:cNvSpPr/>
+          <p:nvPr/>
+        </p:nvSpPr>
+        <p:spPr bwMode="auto">
+          <a:xfrm rot="19786541">
+            <a:off x="2743200" y="2962463"/>
+            <a:ext cx="381000" cy="152400"/>
+          </a:xfrm>
+          <a:prstGeom prst="leftArrow">
+            <a:avLst/>
+          </a:prstGeom>
+          <a:solidFill>
+            <a:srgbClr val="FF0000"/>
+          </a:solidFill>
+          <a:ln w="9525" cap="flat" cmpd="sng" algn="ctr">
+            <a:solidFill>
+              <a:schemeClr val="tx1"/>
+            </a:solidFill>
+            <a:prstDash val="solid"/>
+            <a:round/>
+            <a:headEnd type="none" w="med" len="med"/>
+            <a:tailEnd type="none" w="med" len="med"/>
+          </a:ln>
+          <a:effectLst/>
+          <a:extLst>
+            <a:ext uri="{AF507438-7753-43e0-B8FC-AC1667EBCBE1}">
+              <a14:hiddenEffects xmlns:a14="http://schemas.microsoft.com/office/drawing/2010/main" xmlns="">
+                <a:effectLst>
+                  <a:outerShdw blurRad="63500" dist="38099" dir="2700000" algn="ctr" rotWithShape="0">
+                    <a:schemeClr val="bg2">
+                      <a:alpha val="74998"/>
+                    </a:schemeClr>
+                  </a:outerShdw>
+                </a:effectLst>
+              </a14:hiddenEffects>
+            </a:ext>
+          </a:extLst>
+        </p:spPr>
+        <p:txBody>
+          <a:bodyPr vert="horz" wrap="square" lIns="91440" tIns="45720" rIns="91440" bIns="45720" numCol="1" rtlCol="0" anchor="t" anchorCtr="0" compatLnSpc="1">
+            <a:prstTxWarp prst="textNoShape">
+              <a:avLst/>
+            </a:prstTxWarp>
+          </a:bodyPr>
+          <a:lstStyle/>
+          <a:p>
+            <a:pPr marL="0" marR="0" indent="0" algn="l" defTabSz="914400" rtl="0" eaLnBrk="0" fontAlgn="base" latinLnBrk="0" hangingPunct="0">
+              <a:lnSpc>
+                <a:spcPct val="100000"/>
+              </a:lnSpc>
+              <a:spcBef>
+                <a:spcPct val="0"/>
+              </a:spcBef>
+              <a:spcAft>
+                <a:spcPct val="0"/>
+              </a:spcAft>
+              <a:buClrTx/>
+              <a:buSzTx/>
+              <a:buFontTx/>
+              <a:buNone/>
+              <a:tabLst/>
+            </a:pPr>
+            <a:endParaRPr kumimoji="0" lang="en-US" sz="1600" b="0" i="0" u="none" strike="noStrike" cap="none" normalizeH="0" baseline="0" dirty="0">
+              <a:ln>
+                <a:noFill/>
+              </a:ln>
+              <a:solidFill>
+                <a:srgbClr val="000000"/>
+              </a:solidFill>
+              <a:effectLst/>
+              <a:latin typeface="Arial" charset="0"/>
+              <a:ea typeface="ＭＳ Ｐゴシック" charset="0"/>
+            </a:endParaRPr>
+          </a:p>
+        </p:txBody>
+      </p:sp>
+      <p:sp>
+        <p:nvSpPr>
+          <p:cNvPr id="9" name="Left Arrow 8">
+            <a:extLst>
+              <a:ext uri="{FF2B5EF4-FFF2-40B4-BE49-F238E27FC236}">
+                <a16:creationId xmlns:a16="http://schemas.microsoft.com/office/drawing/2014/main" id="{A8F468EE-41AB-3043-9CA7-81B145FB9C9A}"/>
+              </a:ext>
+            </a:extLst>
+          </p:cNvPr>
+          <p:cNvSpPr/>
+          <p:nvPr/>
+        </p:nvSpPr>
+        <p:spPr bwMode="auto">
+          <a:xfrm rot="19786541">
+            <a:off x="3187938" y="3343463"/>
+            <a:ext cx="381000" cy="152400"/>
+          </a:xfrm>
+          <a:prstGeom prst="leftArrow">
+            <a:avLst/>
+          </a:prstGeom>
+          <a:solidFill>
+            <a:srgbClr val="FF0000"/>
+          </a:solidFill>
+          <a:ln w="9525" cap="flat" cmpd="sng" algn="ctr">
+            <a:solidFill>
+              <a:schemeClr val="tx1"/>
+            </a:solidFill>
+            <a:prstDash val="solid"/>
+            <a:round/>
+            <a:headEnd type="none" w="med" len="med"/>
+            <a:tailEnd type="none" w="med" len="med"/>
+          </a:ln>
+          <a:effectLst/>
+          <a:extLst>
+            <a:ext uri="{AF507438-7753-43e0-B8FC-AC1667EBCBE1}">
+              <a14:hiddenEffects xmlns:a14="http://schemas.microsoft.com/office/drawing/2010/main" xmlns="">
+                <a:effectLst>
+                  <a:outerShdw blurRad="63500" dist="38099" dir="2700000" algn="ctr" rotWithShape="0">
+                    <a:schemeClr val="bg2">
+                      <a:alpha val="74998"/>
+                    </a:schemeClr>
+                  </a:outerShdw>
+                </a:effectLst>
+              </a14:hiddenEffects>
+            </a:ext>
+          </a:extLst>
+        </p:spPr>
+        <p:txBody>
+          <a:bodyPr vert="horz" wrap="square" lIns="91440" tIns="45720" rIns="91440" bIns="45720" numCol="1" rtlCol="0" anchor="t" anchorCtr="0" compatLnSpc="1">
+            <a:prstTxWarp prst="textNoShape">
+              <a:avLst/>
+            </a:prstTxWarp>
+          </a:bodyPr>
+          <a:lstStyle/>
+          <a:p>
+            <a:pPr marL="0" marR="0" indent="0" algn="l" defTabSz="914400" rtl="0" eaLnBrk="0" fontAlgn="base" latinLnBrk="0" hangingPunct="0">
+              <a:lnSpc>
+                <a:spcPct val="100000"/>
+              </a:lnSpc>
+              <a:spcBef>
+                <a:spcPct val="0"/>
+              </a:spcBef>
+              <a:spcAft>
+                <a:spcPct val="0"/>
+              </a:spcAft>
+              <a:buClrTx/>
+              <a:buSzTx/>
+              <a:buFontTx/>
+              <a:buNone/>
+              <a:tabLst/>
+            </a:pPr>
+            <a:endParaRPr kumimoji="0" lang="en-US" sz="1600" b="0" i="0" u="none" strike="noStrike" cap="none" normalizeH="0" baseline="0" dirty="0">
+              <a:ln>
+                <a:noFill/>
+              </a:ln>
+              <a:solidFill>
+                <a:srgbClr val="000000"/>
+              </a:solidFill>
+              <a:effectLst/>
+              <a:latin typeface="Arial" charset="0"/>
+              <a:ea typeface="ＭＳ Ｐゴシック" charset="0"/>
+            </a:endParaRPr>
+          </a:p>
+        </p:txBody>
+      </p:sp>
+    </p:spTree>
+    <p:extLst>
+      <p:ext uri="{BB962C8B-B14F-4D97-AF65-F5344CB8AC3E}">
+        <p14:creationId xmlns:p14="http://schemas.microsoft.com/office/powerpoint/2010/main" val="1616031292"/>
+      </p:ext>
+    </p:extLst>
+  </p:cSld>
+  <p:clrMapOvr>
+    <a:masterClrMapping/>
+  </p:clrMapOvr>
+</p:sld>
+</file>
+
+<file path=ppt/slides/slide7.xml><?xml version="1.0" encoding="utf-8"?>
+<p:sld xmlns:a="http://schemas.openxmlformats.org/drawingml/2006/main" xmlns:r="http://schemas.openxmlformats.org/officeDocument/2006/relationships" xmlns:p="http://schemas.openxmlformats.org/presentationml/2006/main">
+  <p:cSld>
+    <p:spTree>
+      <p:nvGrpSpPr>
+        <p:cNvPr id="1" name=""/>
+        <p:cNvGrpSpPr/>
+        <p:nvPr/>
+      </p:nvGrpSpPr>
+      <p:grpSpPr>
+        <a:xfrm>
+          <a:off x="0" y="0"/>
+          <a:ext cx="0" cy="0"/>
+          <a:chOff x="0" y="0"/>
+          <a:chExt cx="0" cy="0"/>
+        </a:xfrm>
+      </p:grpSpPr>
+      <p:sp>
+        <p:nvSpPr>
+          <p:cNvPr id="2" name="Title 1">
+            <a:extLst>
+              <a:ext uri="{FF2B5EF4-FFF2-40B4-BE49-F238E27FC236}">
+                <a16:creationId xmlns:a16="http://schemas.microsoft.com/office/drawing/2014/main" id="{20A5A20A-E610-2C40-9927-63D2720CBC03}"/>
+              </a:ext>
+            </a:extLst>
+          </p:cNvPr>
+          <p:cNvSpPr>
+            <a:spLocks noGrp="1"/>
+          </p:cNvSpPr>
+          <p:nvPr>
+            <p:ph type="title"/>
+          </p:nvPr>
+        </p:nvSpPr>
+        <p:spPr/>
+        <p:txBody>
+          <a:bodyPr/>
+          <a:lstStyle/>
+          <a:p>
+            <a:r>
+              <a:rPr lang="en-US" dirty="0"/>
               <a:t>Higher-Order Programming</a:t>
             </a:r>
           </a:p>
@@ -5977,10 +6453,274 @@
           </a:p>
         </p:txBody>
       </p:sp>
+      <p:sp>
+        <p:nvSpPr>
+          <p:cNvPr id="7" name="Left Arrow 6">
+            <a:extLst>
+              <a:ext uri="{FF2B5EF4-FFF2-40B4-BE49-F238E27FC236}">
+                <a16:creationId xmlns:a16="http://schemas.microsoft.com/office/drawing/2014/main" id="{84CB0201-2B11-D848-868E-7DC9D8A31CD8}"/>
+              </a:ext>
+            </a:extLst>
+          </p:cNvPr>
+          <p:cNvSpPr/>
+          <p:nvPr/>
+        </p:nvSpPr>
+        <p:spPr bwMode="auto">
+          <a:xfrm rot="19003465">
+            <a:off x="5134708" y="5867400"/>
+            <a:ext cx="457200" cy="200603"/>
+          </a:xfrm>
+          <a:prstGeom prst="leftArrow">
+            <a:avLst/>
+          </a:prstGeom>
+          <a:solidFill>
+            <a:srgbClr val="FF0000"/>
+          </a:solidFill>
+          <a:ln w="9525" cap="flat" cmpd="sng" algn="ctr">
+            <a:solidFill>
+              <a:schemeClr val="tx1"/>
+            </a:solidFill>
+            <a:prstDash val="solid"/>
+            <a:round/>
+            <a:headEnd type="none" w="med" len="med"/>
+            <a:tailEnd type="none" w="med" len="med"/>
+          </a:ln>
+          <a:effectLst/>
+          <a:extLst>
+            <a:ext uri="{AF507438-7753-43e0-B8FC-AC1667EBCBE1}">
+              <a14:hiddenEffects xmlns:a14="http://schemas.microsoft.com/office/drawing/2010/main" xmlns="">
+                <a:effectLst>
+                  <a:outerShdw blurRad="63500" dist="38099" dir="2700000" algn="ctr" rotWithShape="0">
+                    <a:schemeClr val="bg2">
+                      <a:alpha val="74998"/>
+                    </a:schemeClr>
+                  </a:outerShdw>
+                </a:effectLst>
+              </a14:hiddenEffects>
+            </a:ext>
+          </a:extLst>
+        </p:spPr>
+        <p:txBody>
+          <a:bodyPr vert="horz" wrap="square" lIns="91440" tIns="45720" rIns="91440" bIns="45720" numCol="1" rtlCol="0" anchor="t" anchorCtr="0" compatLnSpc="1">
+            <a:prstTxWarp prst="textNoShape">
+              <a:avLst/>
+            </a:prstTxWarp>
+          </a:bodyPr>
+          <a:lstStyle/>
+          <a:p>
+            <a:pPr marL="0" marR="0" indent="0" algn="l" defTabSz="914400" rtl="0" eaLnBrk="0" fontAlgn="base" latinLnBrk="0" hangingPunct="0">
+              <a:lnSpc>
+                <a:spcPct val="100000"/>
+              </a:lnSpc>
+              <a:spcBef>
+                <a:spcPct val="0"/>
+              </a:spcBef>
+              <a:spcAft>
+                <a:spcPct val="0"/>
+              </a:spcAft>
+              <a:buClrTx/>
+              <a:buSzTx/>
+              <a:buFontTx/>
+              <a:buNone/>
+              <a:tabLst/>
+            </a:pPr>
+            <a:endParaRPr kumimoji="0" lang="en-US" sz="1600" b="0" i="0" u="none" strike="noStrike" cap="none" normalizeH="0" baseline="0">
+              <a:ln>
+                <a:noFill/>
+              </a:ln>
+              <a:solidFill>
+                <a:srgbClr val="000000"/>
+              </a:solidFill>
+              <a:effectLst/>
+              <a:latin typeface="Arial" charset="0"/>
+              <a:ea typeface="ＭＳ Ｐゴシック" charset="0"/>
+            </a:endParaRPr>
+          </a:p>
+        </p:txBody>
+      </p:sp>
     </p:spTree>
     <p:extLst>
       <p:ext uri="{BB962C8B-B14F-4D97-AF65-F5344CB8AC3E}">
         <p14:creationId xmlns:p14="http://schemas.microsoft.com/office/powerpoint/2010/main" val="1798558076"/>
+      </p:ext>
+    </p:extLst>
+  </p:cSld>
+  <p:clrMapOvr>
+    <a:masterClrMapping/>
+  </p:clrMapOvr>
+</p:sld>
+</file>
+
+<file path=ppt/slides/slide8.xml><?xml version="1.0" encoding="utf-8"?>
+<p:sld xmlns:a="http://schemas.openxmlformats.org/drawingml/2006/main" xmlns:r="http://schemas.openxmlformats.org/officeDocument/2006/relationships" xmlns:p="http://schemas.openxmlformats.org/presentationml/2006/main">
+  <p:cSld>
+    <p:spTree>
+      <p:nvGrpSpPr>
+        <p:cNvPr id="1" name=""/>
+        <p:cNvGrpSpPr/>
+        <p:nvPr/>
+      </p:nvGrpSpPr>
+      <p:grpSpPr>
+        <a:xfrm>
+          <a:off x="0" y="0"/>
+          <a:ext cx="0" cy="0"/>
+          <a:chOff x="0" y="0"/>
+          <a:chExt cx="0" cy="0"/>
+        </a:xfrm>
+      </p:grpSpPr>
+      <p:sp>
+        <p:nvSpPr>
+          <p:cNvPr id="3" name="Title 2">
+            <a:extLst>
+              <a:ext uri="{FF2B5EF4-FFF2-40B4-BE49-F238E27FC236}">
+                <a16:creationId xmlns:a16="http://schemas.microsoft.com/office/drawing/2014/main" id="{117FE473-0B34-8440-B30B-C6957F135383}"/>
+              </a:ext>
+            </a:extLst>
+          </p:cNvPr>
+          <p:cNvSpPr>
+            <a:spLocks noGrp="1"/>
+          </p:cNvSpPr>
+          <p:nvPr>
+            <p:ph type="title"/>
+          </p:nvPr>
+        </p:nvSpPr>
+        <p:spPr/>
+        <p:txBody>
+          <a:bodyPr/>
+          <a:lstStyle/>
+          <a:p>
+            <a:r>
+              <a:rPr lang="en-US" dirty="0"/>
+              <a:t>Higher-Order Programming</a:t>
+            </a:r>
+          </a:p>
+        </p:txBody>
+      </p:sp>
+      <p:sp>
+        <p:nvSpPr>
+          <p:cNvPr id="4" name="Content Placeholder 3">
+            <a:extLst>
+              <a:ext uri="{FF2B5EF4-FFF2-40B4-BE49-F238E27FC236}">
+                <a16:creationId xmlns:a16="http://schemas.microsoft.com/office/drawing/2014/main" id="{626CE476-6C79-5148-AB93-9765886A8422}"/>
+              </a:ext>
+            </a:extLst>
+          </p:cNvPr>
+          <p:cNvSpPr>
+            <a:spLocks noGrp="1"/>
+          </p:cNvSpPr>
+          <p:nvPr>
+            <p:ph idx="1"/>
+          </p:nvPr>
+        </p:nvSpPr>
+        <p:spPr/>
+        <p:txBody>
+          <a:bodyPr/>
+          <a:lstStyle/>
+          <a:p>
+            <a:r>
+              <a:rPr lang="en-US" dirty="0"/>
+              <a:t>The version quicksort that uses a passed in order predicate is interesting because it is now generic over the objects it can sort…</a:t>
+            </a:r>
+          </a:p>
+        </p:txBody>
+      </p:sp>
+    </p:spTree>
+    <p:extLst>
+      <p:ext uri="{BB962C8B-B14F-4D97-AF65-F5344CB8AC3E}">
+        <p14:creationId xmlns:p14="http://schemas.microsoft.com/office/powerpoint/2010/main" val="158015312"/>
+      </p:ext>
+    </p:extLst>
+  </p:cSld>
+  <p:clrMapOvr>
+    <a:masterClrMapping/>
+  </p:clrMapOvr>
+</p:sld>
+</file>
+
+<file path=ppt/slides/slide9.xml><?xml version="1.0" encoding="utf-8"?>
+<p:sld xmlns:a="http://schemas.openxmlformats.org/drawingml/2006/main" xmlns:r="http://schemas.openxmlformats.org/officeDocument/2006/relationships" xmlns:p="http://schemas.openxmlformats.org/presentationml/2006/main">
+  <p:cSld>
+    <p:spTree>
+      <p:nvGrpSpPr>
+        <p:cNvPr id="1" name=""/>
+        <p:cNvGrpSpPr/>
+        <p:nvPr/>
+      </p:nvGrpSpPr>
+      <p:grpSpPr>
+        <a:xfrm>
+          <a:off x="0" y="0"/>
+          <a:ext cx="0" cy="0"/>
+          <a:chOff x="0" y="0"/>
+          <a:chExt cx="0" cy="0"/>
+        </a:xfrm>
+      </p:grpSpPr>
+      <p:sp>
+        <p:nvSpPr>
+          <p:cNvPr id="3" name="Title 2">
+            <a:extLst>
+              <a:ext uri="{FF2B5EF4-FFF2-40B4-BE49-F238E27FC236}">
+                <a16:creationId xmlns:a16="http://schemas.microsoft.com/office/drawing/2014/main" id="{117FE473-0B34-8440-B30B-C6957F135383}"/>
+              </a:ext>
+            </a:extLst>
+          </p:cNvPr>
+          <p:cNvSpPr>
+            <a:spLocks noGrp="1"/>
+          </p:cNvSpPr>
+          <p:nvPr>
+            <p:ph type="title"/>
+          </p:nvPr>
+        </p:nvSpPr>
+        <p:spPr/>
+        <p:txBody>
+          <a:bodyPr/>
+          <a:lstStyle/>
+          <a:p>
+            <a:r>
+              <a:rPr lang="en-US" dirty="0"/>
+              <a:t>Higher-Order Programming</a:t>
+            </a:r>
+          </a:p>
+        </p:txBody>
+      </p:sp>
+      <p:pic>
+        <p:nvPicPr>
+          <p:cNvPr id="7" name="Picture 6">
+            <a:extLst>
+              <a:ext uri="{FF2B5EF4-FFF2-40B4-BE49-F238E27FC236}">
+                <a16:creationId xmlns:a16="http://schemas.microsoft.com/office/drawing/2014/main" id="{1667475A-3719-244D-824D-DE2C17088F45}"/>
+              </a:ext>
+            </a:extLst>
+          </p:cNvPr>
+          <p:cNvPicPr>
+            <a:picLocks noChangeAspect="1"/>
+          </p:cNvPicPr>
+          <p:nvPr/>
+        </p:nvPicPr>
+        <p:blipFill>
+          <a:blip r:embed="rId2"/>
+          <a:stretch>
+            <a:fillRect/>
+          </a:stretch>
+        </p:blipFill>
+        <p:spPr>
+          <a:xfrm>
+            <a:off x="762000" y="685800"/>
+            <a:ext cx="6514603" cy="5759450"/>
+          </a:xfrm>
+          <a:prstGeom prst="rect">
+            <a:avLst/>
+          </a:prstGeom>
+          <a:ln>
+            <a:solidFill>
+              <a:schemeClr val="tx1"/>
+            </a:solidFill>
+          </a:ln>
+        </p:spPr>
+      </p:pic>
+    </p:spTree>
+    <p:extLst>
+      <p:ext uri="{BB962C8B-B14F-4D97-AF65-F5344CB8AC3E}">
+        <p14:creationId xmlns:p14="http://schemas.microsoft.com/office/powerpoint/2010/main" val="2315123967"/>
       </p:ext>
     </p:extLst>
   </p:cSld>

--- a/notes/csc493-ln017.pptx
+++ b/notes/csc493-ln017.pptx
@@ -5,10 +5,10 @@
     <p:sldMasterId id="2147483651" r:id="rId1"/>
   </p:sldMasterIdLst>
   <p:notesMasterIdLst>
-    <p:notesMasterId r:id="rId11"/>
+    <p:notesMasterId r:id="rId14"/>
   </p:notesMasterIdLst>
   <p:handoutMasterIdLst>
-    <p:handoutMasterId r:id="rId12"/>
+    <p:handoutMasterId r:id="rId15"/>
   </p:handoutMasterIdLst>
   <p:sldIdLst>
     <p:sldId id="268" r:id="rId2"/>
@@ -20,6 +20,9 @@
     <p:sldId id="273" r:id="rId8"/>
     <p:sldId id="275" r:id="rId9"/>
     <p:sldId id="276" r:id="rId10"/>
+    <p:sldId id="277" r:id="rId11"/>
+    <p:sldId id="278" r:id="rId12"/>
+    <p:sldId id="279" r:id="rId13"/>
   </p:sldIdLst>
   <p:sldSz cx="9144000" cy="6858000" type="screen4x3"/>
   <p:notesSz cx="6856413" cy="9083675"/>
@@ -5255,6 +5258,566 @@
     <p:extLst>
       <p:ext uri="{BB962C8B-B14F-4D97-AF65-F5344CB8AC3E}">
         <p14:creationId xmlns:p14="http://schemas.microsoft.com/office/powerpoint/2010/main" val="1645221265"/>
+      </p:ext>
+    </p:extLst>
+  </p:cSld>
+  <p:clrMapOvr>
+    <a:masterClrMapping/>
+  </p:clrMapOvr>
+</p:sld>
+</file>
+
+<file path=ppt/slides/slide10.xml><?xml version="1.0" encoding="utf-8"?>
+<p:sld xmlns:a="http://schemas.openxmlformats.org/drawingml/2006/main" xmlns:r="http://schemas.openxmlformats.org/officeDocument/2006/relationships" xmlns:p="http://schemas.openxmlformats.org/presentationml/2006/main">
+  <p:cSld>
+    <p:spTree>
+      <p:nvGrpSpPr>
+        <p:cNvPr id="1" name=""/>
+        <p:cNvGrpSpPr/>
+        <p:nvPr/>
+      </p:nvGrpSpPr>
+      <p:grpSpPr>
+        <a:xfrm>
+          <a:off x="0" y="0"/>
+          <a:ext cx="0" cy="0"/>
+          <a:chOff x="0" y="0"/>
+          <a:chExt cx="0" cy="0"/>
+        </a:xfrm>
+      </p:grpSpPr>
+      <p:sp>
+        <p:nvSpPr>
+          <p:cNvPr id="3" name="Title 2">
+            <a:extLst>
+              <a:ext uri="{FF2B5EF4-FFF2-40B4-BE49-F238E27FC236}">
+                <a16:creationId xmlns:a16="http://schemas.microsoft.com/office/drawing/2014/main" id="{6571A0C0-B227-F542-BA48-6D71AEDD9779}"/>
+              </a:ext>
+            </a:extLst>
+          </p:cNvPr>
+          <p:cNvSpPr>
+            <a:spLocks noGrp="1"/>
+          </p:cNvSpPr>
+          <p:nvPr>
+            <p:ph type="title"/>
+          </p:nvPr>
+        </p:nvSpPr>
+        <p:spPr/>
+        <p:txBody>
+          <a:bodyPr/>
+          <a:lstStyle/>
+          <a:p>
+            <a:r>
+              <a:rPr lang="en-US" dirty="0"/>
+              <a:t>Case Study: </a:t>
+            </a:r>
+            <a:r>
+              <a:rPr lang="en-US" dirty="0" err="1"/>
+              <a:t>SpaceObjects</a:t>
+            </a:r>
+            <a:endParaRPr lang="en-US" dirty="0"/>
+          </a:p>
+        </p:txBody>
+      </p:sp>
+      <p:sp>
+        <p:nvSpPr>
+          <p:cNvPr id="4" name="Content Placeholder 3">
+            <a:extLst>
+              <a:ext uri="{FF2B5EF4-FFF2-40B4-BE49-F238E27FC236}">
+                <a16:creationId xmlns:a16="http://schemas.microsoft.com/office/drawing/2014/main" id="{6741EECC-BD7D-C341-8161-06EA981D3E8E}"/>
+              </a:ext>
+            </a:extLst>
+          </p:cNvPr>
+          <p:cNvSpPr>
+            <a:spLocks noGrp="1"/>
+          </p:cNvSpPr>
+          <p:nvPr>
+            <p:ph idx="1"/>
+          </p:nvPr>
+        </p:nvSpPr>
+        <p:spPr/>
+        <p:txBody>
+          <a:bodyPr>
+            <a:normAutofit fontScale="92500" lnSpcReduction="10000"/>
+          </a:bodyPr>
+          <a:lstStyle/>
+          <a:p>
+            <a:r>
+              <a:rPr lang="en-US" dirty="0"/>
+              <a:t>This program is inspired by the programs from the Wikipedia page:</a:t>
+            </a:r>
+            <a:br>
+              <a:rPr lang="en-US" dirty="0"/>
+            </a:br>
+            <a:r>
+              <a:rPr lang="en-US" sz="2000" dirty="0">
+                <a:hlinkClick r:id="rId2"/>
+              </a:rPr>
+              <a:t>https://en.wikipedia.org/wiki/Multiple_dispatch</a:t>
+            </a:r>
+            <a:endParaRPr lang="en-US" sz="2000" dirty="0"/>
+          </a:p>
+          <a:p>
+            <a:r>
+              <a:rPr lang="en-US" dirty="0"/>
+              <a:t>The idea is that we are given pairs of space objects and we have to write a function that determines what kind of collision we are looking at and print out messages accordingly.</a:t>
+            </a:r>
+          </a:p>
+          <a:p>
+            <a:r>
+              <a:rPr lang="en-US" dirty="0"/>
+              <a:t>We’ll start with an imperative solution to this</a:t>
+            </a:r>
+          </a:p>
+        </p:txBody>
+      </p:sp>
+    </p:spTree>
+    <p:extLst>
+      <p:ext uri="{BB962C8B-B14F-4D97-AF65-F5344CB8AC3E}">
+        <p14:creationId xmlns:p14="http://schemas.microsoft.com/office/powerpoint/2010/main" val="2188502792"/>
+      </p:ext>
+    </p:extLst>
+  </p:cSld>
+  <p:clrMapOvr>
+    <a:masterClrMapping/>
+  </p:clrMapOvr>
+</p:sld>
+</file>
+
+<file path=ppt/slides/slide11.xml><?xml version="1.0" encoding="utf-8"?>
+<p:sld xmlns:a="http://schemas.openxmlformats.org/drawingml/2006/main" xmlns:r="http://schemas.openxmlformats.org/officeDocument/2006/relationships" xmlns:p="http://schemas.openxmlformats.org/presentationml/2006/main">
+  <p:cSld>
+    <p:spTree>
+      <p:nvGrpSpPr>
+        <p:cNvPr id="1" name=""/>
+        <p:cNvGrpSpPr/>
+        <p:nvPr/>
+      </p:nvGrpSpPr>
+      <p:grpSpPr>
+        <a:xfrm>
+          <a:off x="0" y="0"/>
+          <a:ext cx="0" cy="0"/>
+          <a:chOff x="0" y="0"/>
+          <a:chExt cx="0" cy="0"/>
+        </a:xfrm>
+      </p:grpSpPr>
+      <p:sp>
+        <p:nvSpPr>
+          <p:cNvPr id="2" name="Title 1">
+            <a:extLst>
+              <a:ext uri="{FF2B5EF4-FFF2-40B4-BE49-F238E27FC236}">
+                <a16:creationId xmlns:a16="http://schemas.microsoft.com/office/drawing/2014/main" id="{D9EB814D-82E4-6C46-8CB9-14CE9401EC3C}"/>
+              </a:ext>
+            </a:extLst>
+          </p:cNvPr>
+          <p:cNvSpPr>
+            <a:spLocks noGrp="1"/>
+          </p:cNvSpPr>
+          <p:nvPr>
+            <p:ph type="title"/>
+          </p:nvPr>
+        </p:nvSpPr>
+        <p:spPr/>
+        <p:txBody>
+          <a:bodyPr/>
+          <a:lstStyle/>
+          <a:p>
+            <a:r>
+              <a:rPr lang="en-US" dirty="0"/>
+              <a:t>Imperative Solution</a:t>
+            </a:r>
+            <a:br>
+              <a:rPr lang="en-US" dirty="0"/>
+            </a:br>
+            <a:endParaRPr lang="en-US" dirty="0"/>
+          </a:p>
+        </p:txBody>
+      </p:sp>
+      <p:sp>
+        <p:nvSpPr>
+          <p:cNvPr id="7" name="Content Placeholder 6">
+            <a:extLst>
+              <a:ext uri="{FF2B5EF4-FFF2-40B4-BE49-F238E27FC236}">
+                <a16:creationId xmlns:a16="http://schemas.microsoft.com/office/drawing/2014/main" id="{077870FB-5420-9F4F-85AD-4BEBB4254C4C}"/>
+              </a:ext>
+            </a:extLst>
+          </p:cNvPr>
+          <p:cNvSpPr>
+            <a:spLocks noGrp="1"/>
+          </p:cNvSpPr>
+          <p:nvPr>
+            <p:ph sz="half" idx="1"/>
+          </p:nvPr>
+        </p:nvSpPr>
+        <p:spPr/>
+        <p:txBody>
+          <a:bodyPr/>
+          <a:lstStyle/>
+          <a:p>
+            <a:endParaRPr lang="en-US"/>
+          </a:p>
+        </p:txBody>
+      </p:sp>
+      <p:sp>
+        <p:nvSpPr>
+          <p:cNvPr id="8" name="Content Placeholder 7">
+            <a:extLst>
+              <a:ext uri="{FF2B5EF4-FFF2-40B4-BE49-F238E27FC236}">
+                <a16:creationId xmlns:a16="http://schemas.microsoft.com/office/drawing/2014/main" id="{9091F99B-538A-3E44-BE02-D79D12CD6C6C}"/>
+              </a:ext>
+            </a:extLst>
+          </p:cNvPr>
+          <p:cNvSpPr>
+            <a:spLocks noGrp="1"/>
+          </p:cNvSpPr>
+          <p:nvPr>
+            <p:ph sz="half" idx="2"/>
+          </p:nvPr>
+        </p:nvSpPr>
+        <p:spPr>
+          <a:xfrm>
+            <a:off x="5791200" y="1524000"/>
+            <a:ext cx="3124200" cy="2667000"/>
+          </a:xfrm>
+        </p:spPr>
+        <p:txBody>
+          <a:bodyPr>
+            <a:normAutofit fontScale="92500" lnSpcReduction="10000"/>
+          </a:bodyPr>
+          <a:lstStyle/>
+          <a:p>
+            <a:r>
+              <a:rPr lang="en-US" dirty="0"/>
+              <a:t>Everything is accomplished computationally.</a:t>
+            </a:r>
+          </a:p>
+          <a:p>
+            <a:r>
+              <a:rPr lang="en-US" dirty="0"/>
+              <a:t>Developer’s intentions are not </a:t>
+            </a:r>
+            <a:r>
+              <a:rPr lang="en-US"/>
+              <a:t>immediately visible.</a:t>
+            </a:r>
+            <a:endParaRPr lang="en-US" dirty="0"/>
+          </a:p>
+        </p:txBody>
+      </p:sp>
+      <p:pic>
+        <p:nvPicPr>
+          <p:cNvPr id="4" name="Picture 3">
+            <a:extLst>
+              <a:ext uri="{FF2B5EF4-FFF2-40B4-BE49-F238E27FC236}">
+                <a16:creationId xmlns:a16="http://schemas.microsoft.com/office/drawing/2014/main" id="{966CDFB8-05EF-3F4C-A031-7F222071A46B}"/>
+              </a:ext>
+            </a:extLst>
+          </p:cNvPr>
+          <p:cNvPicPr>
+            <a:picLocks noChangeAspect="1"/>
+          </p:cNvPicPr>
+          <p:nvPr/>
+        </p:nvPicPr>
+        <p:blipFill>
+          <a:blip r:embed="rId2"/>
+          <a:stretch>
+            <a:fillRect/>
+          </a:stretch>
+        </p:blipFill>
+        <p:spPr>
+          <a:xfrm>
+            <a:off x="609600" y="838200"/>
+            <a:ext cx="4999147" cy="5829300"/>
+          </a:xfrm>
+          <a:prstGeom prst="rect">
+            <a:avLst/>
+          </a:prstGeom>
+          <a:ln>
+            <a:solidFill>
+              <a:schemeClr val="tx1"/>
+            </a:solidFill>
+          </a:ln>
+        </p:spPr>
+      </p:pic>
+      <p:sp>
+        <p:nvSpPr>
+          <p:cNvPr id="5" name="TextBox 4">
+            <a:extLst>
+              <a:ext uri="{FF2B5EF4-FFF2-40B4-BE49-F238E27FC236}">
+                <a16:creationId xmlns:a16="http://schemas.microsoft.com/office/drawing/2014/main" id="{B648F290-F28D-9C48-8D7B-9460DDA3E6E0}"/>
+              </a:ext>
+            </a:extLst>
+          </p:cNvPr>
+          <p:cNvSpPr txBox="1"/>
+          <p:nvPr/>
+        </p:nvSpPr>
+        <p:spPr>
+          <a:xfrm>
+            <a:off x="6635262" y="6245423"/>
+            <a:ext cx="1726755" cy="307777"/>
+          </a:xfrm>
+          <a:prstGeom prst="rect">
+            <a:avLst/>
+          </a:prstGeom>
+          <a:noFill/>
+        </p:spPr>
+        <p:txBody>
+          <a:bodyPr wrap="none" rtlCol="0">
+            <a:spAutoFit/>
+          </a:bodyPr>
+          <a:lstStyle/>
+          <a:p>
+            <a:r>
+              <a:rPr lang="en-US" sz="1400" dirty="0"/>
+              <a:t>ln017/</a:t>
+            </a:r>
+            <a:r>
+              <a:rPr lang="en-US" sz="1400" dirty="0" err="1"/>
+              <a:t>spaceimp.ast</a:t>
+            </a:r>
+            <a:endParaRPr lang="en-US" sz="1400" dirty="0"/>
+          </a:p>
+        </p:txBody>
+      </p:sp>
+      <p:pic>
+        <p:nvPicPr>
+          <p:cNvPr id="9" name="Picture 8">
+            <a:extLst>
+              <a:ext uri="{FF2B5EF4-FFF2-40B4-BE49-F238E27FC236}">
+                <a16:creationId xmlns:a16="http://schemas.microsoft.com/office/drawing/2014/main" id="{DED40ED9-041C-6144-A073-89D9EF2E0371}"/>
+              </a:ext>
+            </a:extLst>
+          </p:cNvPr>
+          <p:cNvPicPr>
+            <a:picLocks noChangeAspect="1"/>
+          </p:cNvPicPr>
+          <p:nvPr/>
+        </p:nvPicPr>
+        <p:blipFill>
+          <a:blip r:embed="rId3"/>
+          <a:stretch>
+            <a:fillRect/>
+          </a:stretch>
+        </p:blipFill>
+        <p:spPr>
+          <a:xfrm>
+            <a:off x="5181600" y="5042708"/>
+            <a:ext cx="3557954" cy="900892"/>
+          </a:xfrm>
+          <a:prstGeom prst="rect">
+            <a:avLst/>
+          </a:prstGeom>
+          <a:ln>
+            <a:solidFill>
+              <a:schemeClr val="tx1"/>
+            </a:solidFill>
+          </a:ln>
+        </p:spPr>
+      </p:pic>
+    </p:spTree>
+    <p:extLst>
+      <p:ext uri="{BB962C8B-B14F-4D97-AF65-F5344CB8AC3E}">
+        <p14:creationId xmlns:p14="http://schemas.microsoft.com/office/powerpoint/2010/main" val="640314894"/>
+      </p:ext>
+    </p:extLst>
+  </p:cSld>
+  <p:clrMapOvr>
+    <a:masterClrMapping/>
+  </p:clrMapOvr>
+</p:sld>
+</file>
+
+<file path=ppt/slides/slide12.xml><?xml version="1.0" encoding="utf-8"?>
+<p:sld xmlns:a="http://schemas.openxmlformats.org/drawingml/2006/main" xmlns:r="http://schemas.openxmlformats.org/officeDocument/2006/relationships" xmlns:p="http://schemas.openxmlformats.org/presentationml/2006/main">
+  <p:cSld>
+    <p:spTree>
+      <p:nvGrpSpPr>
+        <p:cNvPr id="1" name=""/>
+        <p:cNvGrpSpPr/>
+        <p:nvPr/>
+      </p:nvGrpSpPr>
+      <p:grpSpPr>
+        <a:xfrm>
+          <a:off x="0" y="0"/>
+          <a:ext cx="0" cy="0"/>
+          <a:chOff x="0" y="0"/>
+          <a:chExt cx="0" cy="0"/>
+        </a:xfrm>
+      </p:grpSpPr>
+      <p:sp>
+        <p:nvSpPr>
+          <p:cNvPr id="2" name="Title 1">
+            <a:extLst>
+              <a:ext uri="{FF2B5EF4-FFF2-40B4-BE49-F238E27FC236}">
+                <a16:creationId xmlns:a16="http://schemas.microsoft.com/office/drawing/2014/main" id="{D9EB814D-82E4-6C46-8CB9-14CE9401EC3C}"/>
+              </a:ext>
+            </a:extLst>
+          </p:cNvPr>
+          <p:cNvSpPr>
+            <a:spLocks noGrp="1"/>
+          </p:cNvSpPr>
+          <p:nvPr>
+            <p:ph type="title"/>
+          </p:nvPr>
+        </p:nvSpPr>
+        <p:spPr/>
+        <p:txBody>
+          <a:bodyPr/>
+          <a:lstStyle/>
+          <a:p>
+            <a:r>
+              <a:rPr lang="en-US" dirty="0"/>
+              <a:t>Multi-Paradigm Solution</a:t>
+            </a:r>
+            <a:br>
+              <a:rPr lang="en-US" dirty="0"/>
+            </a:br>
+            <a:endParaRPr lang="en-US" dirty="0"/>
+          </a:p>
+        </p:txBody>
+      </p:sp>
+      <p:sp>
+        <p:nvSpPr>
+          <p:cNvPr id="8" name="Content Placeholder 7">
+            <a:extLst>
+              <a:ext uri="{FF2B5EF4-FFF2-40B4-BE49-F238E27FC236}">
+                <a16:creationId xmlns:a16="http://schemas.microsoft.com/office/drawing/2014/main" id="{9091F99B-538A-3E44-BE02-D79D12CD6C6C}"/>
+              </a:ext>
+            </a:extLst>
+          </p:cNvPr>
+          <p:cNvSpPr>
+            <a:spLocks noGrp="1"/>
+          </p:cNvSpPr>
+          <p:nvPr>
+            <p:ph sz="half" idx="2"/>
+          </p:nvPr>
+        </p:nvSpPr>
+        <p:spPr>
+          <a:xfrm>
+            <a:off x="6483350" y="1905000"/>
+            <a:ext cx="2432049" cy="4114800"/>
+          </a:xfrm>
+        </p:spPr>
+        <p:txBody>
+          <a:bodyPr>
+            <a:normAutofit fontScale="77500" lnSpcReduction="20000"/>
+          </a:bodyPr>
+          <a:lstStyle/>
+          <a:p>
+            <a:pPr marL="0" indent="0">
+              <a:buNone/>
+            </a:pPr>
+            <a:r>
+              <a:rPr lang="en-US" dirty="0"/>
+              <a:t>Employs:</a:t>
+            </a:r>
+          </a:p>
+          <a:p>
+            <a:r>
+              <a:rPr lang="en-US" dirty="0"/>
+              <a:t>Multi-dispatch</a:t>
+            </a:r>
+          </a:p>
+          <a:p>
+            <a:r>
+              <a:rPr lang="en-US" dirty="0"/>
+              <a:t>Pattern matching</a:t>
+            </a:r>
+          </a:p>
+          <a:p>
+            <a:r>
+              <a:rPr lang="en-US" dirty="0"/>
+              <a:t>First-Class Patterns</a:t>
+            </a:r>
+          </a:p>
+          <a:p>
+            <a:pPr marL="0" indent="0">
+              <a:buNone/>
+            </a:pPr>
+            <a:r>
+              <a:rPr lang="en-US" dirty="0"/>
+              <a:t>A more declarative approach due to pattern matching ☞ makes developer intentions much more visible!</a:t>
+            </a:r>
+          </a:p>
+        </p:txBody>
+      </p:sp>
+      <p:sp>
+        <p:nvSpPr>
+          <p:cNvPr id="5" name="TextBox 4">
+            <a:extLst>
+              <a:ext uri="{FF2B5EF4-FFF2-40B4-BE49-F238E27FC236}">
+                <a16:creationId xmlns:a16="http://schemas.microsoft.com/office/drawing/2014/main" id="{B648F290-F28D-9C48-8D7B-9460DDA3E6E0}"/>
+              </a:ext>
+            </a:extLst>
+          </p:cNvPr>
+          <p:cNvSpPr txBox="1"/>
+          <p:nvPr/>
+        </p:nvSpPr>
+        <p:spPr>
+          <a:xfrm>
+            <a:off x="6635262" y="6321623"/>
+            <a:ext cx="1816523" cy="307777"/>
+          </a:xfrm>
+          <a:prstGeom prst="rect">
+            <a:avLst/>
+          </a:prstGeom>
+          <a:noFill/>
+        </p:spPr>
+        <p:txBody>
+          <a:bodyPr wrap="none" rtlCol="0">
+            <a:spAutoFit/>
+          </a:bodyPr>
+          <a:lstStyle/>
+          <a:p>
+            <a:r>
+              <a:rPr lang="en-US" sz="1400" dirty="0"/>
+              <a:t>ln017/</a:t>
+            </a:r>
+            <a:r>
+              <a:rPr lang="en-US" sz="1400" dirty="0" err="1"/>
+              <a:t>spacemulti.ast</a:t>
+            </a:r>
+            <a:endParaRPr lang="en-US" sz="1400" dirty="0"/>
+          </a:p>
+        </p:txBody>
+      </p:sp>
+      <p:pic>
+        <p:nvPicPr>
+          <p:cNvPr id="3" name="Picture 2">
+            <a:extLst>
+              <a:ext uri="{FF2B5EF4-FFF2-40B4-BE49-F238E27FC236}">
+                <a16:creationId xmlns:a16="http://schemas.microsoft.com/office/drawing/2014/main" id="{422C18C8-281F-BA43-964D-5CB3E79BF1E7}"/>
+              </a:ext>
+            </a:extLst>
+          </p:cNvPr>
+          <p:cNvPicPr>
+            <a:picLocks noChangeAspect="1"/>
+          </p:cNvPicPr>
+          <p:nvPr/>
+        </p:nvPicPr>
+        <p:blipFill>
+          <a:blip r:embed="rId2"/>
+          <a:stretch>
+            <a:fillRect/>
+          </a:stretch>
+        </p:blipFill>
+        <p:spPr>
+          <a:xfrm>
+            <a:off x="222251" y="1717675"/>
+            <a:ext cx="6261100" cy="4757984"/>
+          </a:xfrm>
+          <a:prstGeom prst="rect">
+            <a:avLst/>
+          </a:prstGeom>
+          <a:ln>
+            <a:solidFill>
+              <a:schemeClr val="tx1"/>
+            </a:solidFill>
+          </a:ln>
+        </p:spPr>
+      </p:pic>
+    </p:spTree>
+    <p:extLst>
+      <p:ext uri="{BB962C8B-B14F-4D97-AF65-F5344CB8AC3E}">
+        <p14:creationId xmlns:p14="http://schemas.microsoft.com/office/powerpoint/2010/main" val="1489996241"/>
       </p:ext>
     </p:extLst>
   </p:cSld>

--- a/notes/csc493-ln017.pptx
+++ b/notes/csc493-ln017.pptx
@@ -5,10 +5,10 @@
     <p:sldMasterId id="2147483651" r:id="rId1"/>
   </p:sldMasterIdLst>
   <p:notesMasterIdLst>
-    <p:notesMasterId r:id="rId14"/>
+    <p:notesMasterId r:id="rId17"/>
   </p:notesMasterIdLst>
   <p:handoutMasterIdLst>
-    <p:handoutMasterId r:id="rId15"/>
+    <p:handoutMasterId r:id="rId18"/>
   </p:handoutMasterIdLst>
   <p:sldIdLst>
     <p:sldId id="268" r:id="rId2"/>
@@ -16,13 +16,16 @@
     <p:sldId id="270" r:id="rId4"/>
     <p:sldId id="271" r:id="rId5"/>
     <p:sldId id="272" r:id="rId6"/>
-    <p:sldId id="274" r:id="rId7"/>
-    <p:sldId id="273" r:id="rId8"/>
-    <p:sldId id="275" r:id="rId9"/>
-    <p:sldId id="276" r:id="rId10"/>
-    <p:sldId id="277" r:id="rId11"/>
-    <p:sldId id="278" r:id="rId12"/>
-    <p:sldId id="279" r:id="rId13"/>
+    <p:sldId id="280" r:id="rId7"/>
+    <p:sldId id="274" r:id="rId8"/>
+    <p:sldId id="273" r:id="rId9"/>
+    <p:sldId id="281" r:id="rId10"/>
+    <p:sldId id="275" r:id="rId11"/>
+    <p:sldId id="276" r:id="rId12"/>
+    <p:sldId id="282" r:id="rId13"/>
+    <p:sldId id="277" r:id="rId14"/>
+    <p:sldId id="278" r:id="rId15"/>
+    <p:sldId id="279" r:id="rId16"/>
   </p:sldIdLst>
   <p:sldSz cx="9144000" cy="6858000" type="screen4x3"/>
   <p:notesSz cx="6856413" cy="9083675"/>
@@ -229,14 +232,14 @@
           <a:effectLst/>
           <a:extLst>
             <a:ext uri="{909E8E84-426E-40dd-AFC4-6F175D3DCCD1}">
-              <a14:hiddenFill xmlns="" xmlns:a14="http://schemas.microsoft.com/office/drawing/2010/main">
+              <a14:hiddenFill xmlns:a14="http://schemas.microsoft.com/office/drawing/2010/main" xmlns="">
                 <a:solidFill>
                   <a:schemeClr val="accent1"/>
                 </a:solidFill>
               </a14:hiddenFill>
             </a:ext>
             <a:ext uri="{91240B29-F687-4f45-9708-019B960494DF}">
-              <a14:hiddenLine xmlns="" xmlns:a14="http://schemas.microsoft.com/office/drawing/2010/main" w="9525">
+              <a14:hiddenLine xmlns:a14="http://schemas.microsoft.com/office/drawing/2010/main" xmlns="" w="9525">
                 <a:solidFill>
                   <a:schemeClr val="tx1"/>
                 </a:solidFill>
@@ -246,7 +249,7 @@
               </a14:hiddenLine>
             </a:ext>
             <a:ext uri="{AF507438-7753-43e0-B8FC-AC1667EBCBE1}">
-              <a14:hiddenEffects xmlns="" xmlns:a14="http://schemas.microsoft.com/office/drawing/2010/main">
+              <a14:hiddenEffects xmlns:a14="http://schemas.microsoft.com/office/drawing/2010/main" xmlns="">
                 <a:effectLst>
                   <a:outerShdw blurRad="63500" dist="38099" dir="2700000" algn="ctr" rotWithShape="0">
                     <a:schemeClr val="bg2">
@@ -257,7 +260,7 @@
               </a14:hiddenEffects>
             </a:ext>
             <a:ext uri="{FAA26D3D-D897-4be2-8F04-BA451C77F1D7}">
-              <ma14:placeholderFlag xmlns="" xmlns:ma14="http://schemas.microsoft.com/office/mac/drawingml/2011/main" val="1"/>
+              <ma14:placeholderFlag xmlns:ma14="http://schemas.microsoft.com/office/mac/drawingml/2011/main" xmlns="" val="1"/>
             </a:ext>
           </a:extLst>
         </p:spPr>
@@ -315,14 +318,14 @@
           <a:effectLst/>
           <a:extLst>
             <a:ext uri="{909E8E84-426E-40dd-AFC4-6F175D3DCCD1}">
-              <a14:hiddenFill xmlns="" xmlns:a14="http://schemas.microsoft.com/office/drawing/2010/main">
+              <a14:hiddenFill xmlns:a14="http://schemas.microsoft.com/office/drawing/2010/main" xmlns="">
                 <a:solidFill>
                   <a:schemeClr val="accent1"/>
                 </a:solidFill>
               </a14:hiddenFill>
             </a:ext>
             <a:ext uri="{91240B29-F687-4f45-9708-019B960494DF}">
-              <a14:hiddenLine xmlns="" xmlns:a14="http://schemas.microsoft.com/office/drawing/2010/main" w="9525">
+              <a14:hiddenLine xmlns:a14="http://schemas.microsoft.com/office/drawing/2010/main" xmlns="" w="9525">
                 <a:solidFill>
                   <a:schemeClr val="tx1"/>
                 </a:solidFill>
@@ -332,7 +335,7 @@
               </a14:hiddenLine>
             </a:ext>
             <a:ext uri="{AF507438-7753-43e0-B8FC-AC1667EBCBE1}">
-              <a14:hiddenEffects xmlns="" xmlns:a14="http://schemas.microsoft.com/office/drawing/2010/main">
+              <a14:hiddenEffects xmlns:a14="http://schemas.microsoft.com/office/drawing/2010/main" xmlns="">
                 <a:effectLst>
                   <a:outerShdw blurRad="63500" dist="38099" dir="2700000" algn="ctr" rotWithShape="0">
                     <a:schemeClr val="bg2">
@@ -343,7 +346,7 @@
               </a14:hiddenEffects>
             </a:ext>
             <a:ext uri="{FAA26D3D-D897-4be2-8F04-BA451C77F1D7}">
-              <ma14:placeholderFlag xmlns="" xmlns:ma14="http://schemas.microsoft.com/office/mac/drawingml/2011/main" val="1"/>
+              <ma14:placeholderFlag xmlns:ma14="http://schemas.microsoft.com/office/mac/drawingml/2011/main" xmlns="" val="1"/>
             </a:ext>
           </a:extLst>
         </p:spPr>
@@ -401,14 +404,14 @@
           <a:effectLst/>
           <a:extLst>
             <a:ext uri="{909E8E84-426E-40dd-AFC4-6F175D3DCCD1}">
-              <a14:hiddenFill xmlns="" xmlns:a14="http://schemas.microsoft.com/office/drawing/2010/main">
+              <a14:hiddenFill xmlns:a14="http://schemas.microsoft.com/office/drawing/2010/main" xmlns="">
                 <a:solidFill>
                   <a:schemeClr val="accent1"/>
                 </a:solidFill>
               </a14:hiddenFill>
             </a:ext>
             <a:ext uri="{91240B29-F687-4f45-9708-019B960494DF}">
-              <a14:hiddenLine xmlns="" xmlns:a14="http://schemas.microsoft.com/office/drawing/2010/main" w="9525">
+              <a14:hiddenLine xmlns:a14="http://schemas.microsoft.com/office/drawing/2010/main" xmlns="" w="9525">
                 <a:solidFill>
                   <a:schemeClr val="tx1"/>
                 </a:solidFill>
@@ -418,7 +421,7 @@
               </a14:hiddenLine>
             </a:ext>
             <a:ext uri="{AF507438-7753-43e0-B8FC-AC1667EBCBE1}">
-              <a14:hiddenEffects xmlns="" xmlns:a14="http://schemas.microsoft.com/office/drawing/2010/main">
+              <a14:hiddenEffects xmlns:a14="http://schemas.microsoft.com/office/drawing/2010/main" xmlns="">
                 <a:effectLst>
                   <a:outerShdw blurRad="63500" dist="38099" dir="2700000" algn="ctr" rotWithShape="0">
                     <a:schemeClr val="bg2">
@@ -429,7 +432,7 @@
               </a14:hiddenEffects>
             </a:ext>
             <a:ext uri="{FAA26D3D-D897-4be2-8F04-BA451C77F1D7}">
-              <ma14:placeholderFlag xmlns="" xmlns:ma14="http://schemas.microsoft.com/office/mac/drawingml/2011/main" val="1"/>
+              <ma14:placeholderFlag xmlns:ma14="http://schemas.microsoft.com/office/mac/drawingml/2011/main" xmlns="" val="1"/>
             </a:ext>
           </a:extLst>
         </p:spPr>
@@ -487,14 +490,14 @@
           <a:effectLst/>
           <a:extLst>
             <a:ext uri="{909E8E84-426E-40dd-AFC4-6F175D3DCCD1}">
-              <a14:hiddenFill xmlns="" xmlns:a14="http://schemas.microsoft.com/office/drawing/2010/main">
+              <a14:hiddenFill xmlns:a14="http://schemas.microsoft.com/office/drawing/2010/main" xmlns="">
                 <a:solidFill>
                   <a:schemeClr val="accent1"/>
                 </a:solidFill>
               </a14:hiddenFill>
             </a:ext>
             <a:ext uri="{91240B29-F687-4f45-9708-019B960494DF}">
-              <a14:hiddenLine xmlns="" xmlns:a14="http://schemas.microsoft.com/office/drawing/2010/main" w="9525">
+              <a14:hiddenLine xmlns:a14="http://schemas.microsoft.com/office/drawing/2010/main" xmlns="" w="9525">
                 <a:solidFill>
                   <a:schemeClr val="tx1"/>
                 </a:solidFill>
@@ -504,7 +507,7 @@
               </a14:hiddenLine>
             </a:ext>
             <a:ext uri="{AF507438-7753-43e0-B8FC-AC1667EBCBE1}">
-              <a14:hiddenEffects xmlns="" xmlns:a14="http://schemas.microsoft.com/office/drawing/2010/main">
+              <a14:hiddenEffects xmlns:a14="http://schemas.microsoft.com/office/drawing/2010/main" xmlns="">
                 <a:effectLst>
                   <a:outerShdw blurRad="63500" dist="38099" dir="2700000" algn="ctr" rotWithShape="0">
                     <a:schemeClr val="bg2">
@@ -515,7 +518,7 @@
               </a14:hiddenEffects>
             </a:ext>
             <a:ext uri="{FAA26D3D-D897-4be2-8F04-BA451C77F1D7}">
-              <ma14:placeholderFlag xmlns="" xmlns:ma14="http://schemas.microsoft.com/office/mac/drawingml/2011/main" val="1"/>
+              <ma14:placeholderFlag xmlns:ma14="http://schemas.microsoft.com/office/mac/drawingml/2011/main" xmlns="" val="1"/>
             </a:ext>
           </a:extLst>
         </p:spPr>
@@ -607,14 +610,14 @@
           <a:effectLst/>
           <a:extLst>
             <a:ext uri="{909E8E84-426E-40dd-AFC4-6F175D3DCCD1}">
-              <a14:hiddenFill xmlns="" xmlns:a14="http://schemas.microsoft.com/office/drawing/2010/main">
+              <a14:hiddenFill xmlns:a14="http://schemas.microsoft.com/office/drawing/2010/main" xmlns="">
                 <a:solidFill>
                   <a:schemeClr val="accent1"/>
                 </a:solidFill>
               </a14:hiddenFill>
             </a:ext>
             <a:ext uri="{91240B29-F687-4f45-9708-019B960494DF}">
-              <a14:hiddenLine xmlns="" xmlns:a14="http://schemas.microsoft.com/office/drawing/2010/main" w="9525">
+              <a14:hiddenLine xmlns:a14="http://schemas.microsoft.com/office/drawing/2010/main" xmlns="" w="9525">
                 <a:solidFill>
                   <a:schemeClr val="tx1"/>
                 </a:solidFill>
@@ -624,7 +627,7 @@
               </a14:hiddenLine>
             </a:ext>
             <a:ext uri="{AF507438-7753-43e0-B8FC-AC1667EBCBE1}">
-              <a14:hiddenEffects xmlns="" xmlns:a14="http://schemas.microsoft.com/office/drawing/2010/main">
+              <a14:hiddenEffects xmlns:a14="http://schemas.microsoft.com/office/drawing/2010/main" xmlns="">
                 <a:effectLst>
                   <a:outerShdw blurRad="63500" dist="38099" dir="2700000" algn="ctr" rotWithShape="0">
                     <a:schemeClr val="bg2">
@@ -635,7 +638,7 @@
               </a14:hiddenEffects>
             </a:ext>
             <a:ext uri="{FAA26D3D-D897-4be2-8F04-BA451C77F1D7}">
-              <ma14:placeholderFlag xmlns="" xmlns:ma14="http://schemas.microsoft.com/office/mac/drawingml/2011/main" val="1"/>
+              <ma14:placeholderFlag xmlns:ma14="http://schemas.microsoft.com/office/mac/drawingml/2011/main" xmlns="" val="1"/>
             </a:ext>
           </a:extLst>
         </p:spPr>
@@ -693,14 +696,14 @@
           <a:effectLst/>
           <a:extLst>
             <a:ext uri="{909E8E84-426E-40dd-AFC4-6F175D3DCCD1}">
-              <a14:hiddenFill xmlns="" xmlns:a14="http://schemas.microsoft.com/office/drawing/2010/main">
+              <a14:hiddenFill xmlns:a14="http://schemas.microsoft.com/office/drawing/2010/main" xmlns="">
                 <a:solidFill>
                   <a:schemeClr val="accent1"/>
                 </a:solidFill>
               </a14:hiddenFill>
             </a:ext>
             <a:ext uri="{91240B29-F687-4f45-9708-019B960494DF}">
-              <a14:hiddenLine xmlns="" xmlns:a14="http://schemas.microsoft.com/office/drawing/2010/main" w="9525">
+              <a14:hiddenLine xmlns:a14="http://schemas.microsoft.com/office/drawing/2010/main" xmlns="" w="9525">
                 <a:solidFill>
                   <a:schemeClr val="tx1"/>
                 </a:solidFill>
@@ -710,7 +713,7 @@
               </a14:hiddenLine>
             </a:ext>
             <a:ext uri="{AF507438-7753-43e0-B8FC-AC1667EBCBE1}">
-              <a14:hiddenEffects xmlns="" xmlns:a14="http://schemas.microsoft.com/office/drawing/2010/main">
+              <a14:hiddenEffects xmlns:a14="http://schemas.microsoft.com/office/drawing/2010/main" xmlns="">
                 <a:effectLst>
                   <a:outerShdw blurRad="63500" dist="38099" dir="2700000" algn="ctr" rotWithShape="0">
                     <a:schemeClr val="bg2">
@@ -721,7 +724,7 @@
               </a14:hiddenEffects>
             </a:ext>
             <a:ext uri="{FAA26D3D-D897-4be2-8F04-BA451C77F1D7}">
-              <ma14:placeholderFlag xmlns="" xmlns:ma14="http://schemas.microsoft.com/office/mac/drawingml/2011/main" val="1"/>
+              <ma14:placeholderFlag xmlns:ma14="http://schemas.microsoft.com/office/mac/drawingml/2011/main" xmlns="" val="1"/>
             </a:ext>
           </a:extLst>
         </p:spPr>
@@ -784,7 +787,7 @@
           <a:effectLst/>
           <a:extLst>
             <a:ext uri="{AF507438-7753-43e0-B8FC-AC1667EBCBE1}">
-              <a14:hiddenEffects xmlns="" xmlns:a14="http://schemas.microsoft.com/office/drawing/2010/main">
+              <a14:hiddenEffects xmlns:a14="http://schemas.microsoft.com/office/drawing/2010/main" xmlns="">
                 <a:effectLst>
                   <a:outerShdw blurRad="63500" dist="38099" dir="2700000" algn="ctr" rotWithShape="0">
                     <a:srgbClr val="000000">
@@ -795,7 +798,7 @@
               </a14:hiddenEffects>
             </a:ext>
             <a:ext uri="{53640926-AAD7-44d8-BBD7-CCE9431645EC}">
-              <a14:shadowObscured xmlns="" xmlns:a14="http://schemas.microsoft.com/office/drawing/2010/main" val="1"/>
+              <a14:shadowObscured xmlns:a14="http://schemas.microsoft.com/office/drawing/2010/main" xmlns="" val="1"/>
             </a:ext>
           </a:extLst>
         </p:spPr>
@@ -831,14 +834,14 @@
           <a:effectLst/>
           <a:extLst>
             <a:ext uri="{909E8E84-426E-40dd-AFC4-6F175D3DCCD1}">
-              <a14:hiddenFill xmlns="" xmlns:a14="http://schemas.microsoft.com/office/drawing/2010/main">
+              <a14:hiddenFill xmlns:a14="http://schemas.microsoft.com/office/drawing/2010/main" xmlns="">
                 <a:solidFill>
                   <a:schemeClr val="accent1"/>
                 </a:solidFill>
               </a14:hiddenFill>
             </a:ext>
             <a:ext uri="{91240B29-F687-4f45-9708-019B960494DF}">
-              <a14:hiddenLine xmlns="" xmlns:a14="http://schemas.microsoft.com/office/drawing/2010/main" w="9525">
+              <a14:hiddenLine xmlns:a14="http://schemas.microsoft.com/office/drawing/2010/main" xmlns="" w="9525">
                 <a:solidFill>
                   <a:schemeClr val="tx1"/>
                 </a:solidFill>
@@ -848,7 +851,7 @@
               </a14:hiddenLine>
             </a:ext>
             <a:ext uri="{AF507438-7753-43e0-B8FC-AC1667EBCBE1}">
-              <a14:hiddenEffects xmlns="" xmlns:a14="http://schemas.microsoft.com/office/drawing/2010/main">
+              <a14:hiddenEffects xmlns:a14="http://schemas.microsoft.com/office/drawing/2010/main" xmlns="">
                 <a:effectLst>
                   <a:outerShdw blurRad="63500" dist="38099" dir="2700000" algn="ctr" rotWithShape="0">
                     <a:schemeClr val="bg2">
@@ -859,7 +862,7 @@
               </a14:hiddenEffects>
             </a:ext>
             <a:ext uri="{FAA26D3D-D897-4be2-8F04-BA451C77F1D7}">
-              <ma14:placeholderFlag xmlns="" xmlns:ma14="http://schemas.microsoft.com/office/mac/drawingml/2011/main" val="1"/>
+              <ma14:placeholderFlag xmlns:ma14="http://schemas.microsoft.com/office/mac/drawingml/2011/main" xmlns="" val="1"/>
             </a:ext>
           </a:extLst>
         </p:spPr>
@@ -938,14 +941,14 @@
           <a:effectLst/>
           <a:extLst>
             <a:ext uri="{909E8E84-426E-40dd-AFC4-6F175D3DCCD1}">
-              <a14:hiddenFill xmlns="" xmlns:a14="http://schemas.microsoft.com/office/drawing/2010/main">
+              <a14:hiddenFill xmlns:a14="http://schemas.microsoft.com/office/drawing/2010/main" xmlns="">
                 <a:solidFill>
                   <a:schemeClr val="accent1"/>
                 </a:solidFill>
               </a14:hiddenFill>
             </a:ext>
             <a:ext uri="{91240B29-F687-4f45-9708-019B960494DF}">
-              <a14:hiddenLine xmlns="" xmlns:a14="http://schemas.microsoft.com/office/drawing/2010/main" w="9525">
+              <a14:hiddenLine xmlns:a14="http://schemas.microsoft.com/office/drawing/2010/main" xmlns="" w="9525">
                 <a:solidFill>
                   <a:schemeClr val="tx1"/>
                 </a:solidFill>
@@ -955,7 +958,7 @@
               </a14:hiddenLine>
             </a:ext>
             <a:ext uri="{AF507438-7753-43e0-B8FC-AC1667EBCBE1}">
-              <a14:hiddenEffects xmlns="" xmlns:a14="http://schemas.microsoft.com/office/drawing/2010/main">
+              <a14:hiddenEffects xmlns:a14="http://schemas.microsoft.com/office/drawing/2010/main" xmlns="">
                 <a:effectLst>
                   <a:outerShdw blurRad="63500" dist="38099" dir="2700000" algn="ctr" rotWithShape="0">
                     <a:schemeClr val="bg2">
@@ -966,7 +969,7 @@
               </a14:hiddenEffects>
             </a:ext>
             <a:ext uri="{FAA26D3D-D897-4be2-8F04-BA451C77F1D7}">
-              <ma14:placeholderFlag xmlns="" xmlns:ma14="http://schemas.microsoft.com/office/mac/drawingml/2011/main" val="1"/>
+              <ma14:placeholderFlag xmlns:ma14="http://schemas.microsoft.com/office/mac/drawingml/2011/main" xmlns="" val="1"/>
             </a:ext>
           </a:extLst>
         </p:spPr>
@@ -1024,14 +1027,14 @@
           <a:effectLst/>
           <a:extLst>
             <a:ext uri="{909E8E84-426E-40dd-AFC4-6F175D3DCCD1}">
-              <a14:hiddenFill xmlns="" xmlns:a14="http://schemas.microsoft.com/office/drawing/2010/main">
+              <a14:hiddenFill xmlns:a14="http://schemas.microsoft.com/office/drawing/2010/main" xmlns="">
                 <a:solidFill>
                   <a:schemeClr val="accent1"/>
                 </a:solidFill>
               </a14:hiddenFill>
             </a:ext>
             <a:ext uri="{91240B29-F687-4f45-9708-019B960494DF}">
-              <a14:hiddenLine xmlns="" xmlns:a14="http://schemas.microsoft.com/office/drawing/2010/main" w="9525">
+              <a14:hiddenLine xmlns:a14="http://schemas.microsoft.com/office/drawing/2010/main" xmlns="" w="9525">
                 <a:solidFill>
                   <a:schemeClr val="tx1"/>
                 </a:solidFill>
@@ -1041,7 +1044,7 @@
               </a14:hiddenLine>
             </a:ext>
             <a:ext uri="{AF507438-7753-43e0-B8FC-AC1667EBCBE1}">
-              <a14:hiddenEffects xmlns="" xmlns:a14="http://schemas.microsoft.com/office/drawing/2010/main">
+              <a14:hiddenEffects xmlns:a14="http://schemas.microsoft.com/office/drawing/2010/main" xmlns="">
                 <a:effectLst>
                   <a:outerShdw blurRad="63500" dist="38099" dir="2700000" algn="ctr" rotWithShape="0">
                     <a:schemeClr val="bg2">
@@ -1052,7 +1055,7 @@
               </a14:hiddenEffects>
             </a:ext>
             <a:ext uri="{FAA26D3D-D897-4be2-8F04-BA451C77F1D7}">
-              <ma14:placeholderFlag xmlns="" xmlns:ma14="http://schemas.microsoft.com/office/mac/drawingml/2011/main" val="1"/>
+              <ma14:placeholderFlag xmlns:ma14="http://schemas.microsoft.com/office/mac/drawingml/2011/main" xmlns="" val="1"/>
             </a:ext>
           </a:extLst>
         </p:spPr>
@@ -1205,6 +1208,176 @@
 </p:notesMaster>
 </file>
 
+<file path=ppt/notesSlides/notesSlide1.xml><?xml version="1.0" encoding="utf-8"?>
+<p:notes xmlns:a="http://schemas.openxmlformats.org/drawingml/2006/main" xmlns:r="http://schemas.openxmlformats.org/officeDocument/2006/relationships" xmlns:p="http://schemas.openxmlformats.org/presentationml/2006/main">
+  <p:cSld>
+    <p:spTree>
+      <p:nvGrpSpPr>
+        <p:cNvPr id="1" name=""/>
+        <p:cNvGrpSpPr/>
+        <p:nvPr/>
+      </p:nvGrpSpPr>
+      <p:grpSpPr>
+        <a:xfrm>
+          <a:off x="0" y="0"/>
+          <a:ext cx="0" cy="0"/>
+          <a:chOff x="0" y="0"/>
+          <a:chExt cx="0" cy="0"/>
+        </a:xfrm>
+      </p:grpSpPr>
+      <p:sp>
+        <p:nvSpPr>
+          <p:cNvPr id="2" name="Slide Image Placeholder 1"/>
+          <p:cNvSpPr>
+            <a:spLocks noGrp="1" noRot="1" noChangeAspect="1"/>
+          </p:cNvSpPr>
+          <p:nvPr>
+            <p:ph type="sldImg"/>
+          </p:nvPr>
+        </p:nvSpPr>
+        <p:spPr/>
+      </p:sp>
+      <p:sp>
+        <p:nvSpPr>
+          <p:cNvPr id="3" name="Notes Placeholder 2"/>
+          <p:cNvSpPr>
+            <a:spLocks noGrp="1"/>
+          </p:cNvSpPr>
+          <p:nvPr>
+            <p:ph type="body" idx="1"/>
+          </p:nvPr>
+        </p:nvSpPr>
+        <p:spPr/>
+        <p:txBody>
+          <a:bodyPr/>
+          <a:lstStyle/>
+          <a:p>
+            <a:endParaRPr lang="en-US"/>
+          </a:p>
+        </p:txBody>
+      </p:sp>
+      <p:sp>
+        <p:nvSpPr>
+          <p:cNvPr id="4" name="Slide Number Placeholder 3"/>
+          <p:cNvSpPr>
+            <a:spLocks noGrp="1"/>
+          </p:cNvSpPr>
+          <p:nvPr>
+            <p:ph type="sldNum" sz="quarter" idx="5"/>
+          </p:nvPr>
+        </p:nvSpPr>
+        <p:spPr/>
+        <p:txBody>
+          <a:bodyPr/>
+          <a:lstStyle/>
+          <a:p>
+            <a:fld id="{C5CEA632-0B11-B841-9809-DBA4BE22E64B}" type="slidenum">
+              <a:rPr lang="en-US" altLang="en-US" smtClean="0"/>
+              <a:pPr/>
+              <a:t>8</a:t>
+            </a:fld>
+            <a:endParaRPr lang="en-US" altLang="en-US"/>
+          </a:p>
+        </p:txBody>
+      </p:sp>
+    </p:spTree>
+    <p:extLst>
+      <p:ext uri="{BB962C8B-B14F-4D97-AF65-F5344CB8AC3E}">
+        <p14:creationId xmlns:p14="http://schemas.microsoft.com/office/powerpoint/2010/main" val="4233014391"/>
+      </p:ext>
+    </p:extLst>
+  </p:cSld>
+  <p:clrMapOvr>
+    <a:masterClrMapping/>
+  </p:clrMapOvr>
+</p:notes>
+</file>
+
+<file path=ppt/notesSlides/notesSlide2.xml><?xml version="1.0" encoding="utf-8"?>
+<p:notes xmlns:a="http://schemas.openxmlformats.org/drawingml/2006/main" xmlns:r="http://schemas.openxmlformats.org/officeDocument/2006/relationships" xmlns:p="http://schemas.openxmlformats.org/presentationml/2006/main">
+  <p:cSld>
+    <p:spTree>
+      <p:nvGrpSpPr>
+        <p:cNvPr id="1" name=""/>
+        <p:cNvGrpSpPr/>
+        <p:nvPr/>
+      </p:nvGrpSpPr>
+      <p:grpSpPr>
+        <a:xfrm>
+          <a:off x="0" y="0"/>
+          <a:ext cx="0" cy="0"/>
+          <a:chOff x="0" y="0"/>
+          <a:chExt cx="0" cy="0"/>
+        </a:xfrm>
+      </p:grpSpPr>
+      <p:sp>
+        <p:nvSpPr>
+          <p:cNvPr id="2" name="Slide Image Placeholder 1"/>
+          <p:cNvSpPr>
+            <a:spLocks noGrp="1" noRot="1" noChangeAspect="1"/>
+          </p:cNvSpPr>
+          <p:nvPr>
+            <p:ph type="sldImg"/>
+          </p:nvPr>
+        </p:nvSpPr>
+        <p:spPr/>
+      </p:sp>
+      <p:sp>
+        <p:nvSpPr>
+          <p:cNvPr id="3" name="Notes Placeholder 2"/>
+          <p:cNvSpPr>
+            <a:spLocks noGrp="1"/>
+          </p:cNvSpPr>
+          <p:nvPr>
+            <p:ph type="body" idx="1"/>
+          </p:nvPr>
+        </p:nvSpPr>
+        <p:spPr/>
+        <p:txBody>
+          <a:bodyPr/>
+          <a:lstStyle/>
+          <a:p>
+            <a:endParaRPr lang="en-US"/>
+          </a:p>
+        </p:txBody>
+      </p:sp>
+      <p:sp>
+        <p:nvSpPr>
+          <p:cNvPr id="4" name="Slide Number Placeholder 3"/>
+          <p:cNvSpPr>
+            <a:spLocks noGrp="1"/>
+          </p:cNvSpPr>
+          <p:nvPr>
+            <p:ph type="sldNum" sz="quarter" idx="5"/>
+          </p:nvPr>
+        </p:nvSpPr>
+        <p:spPr/>
+        <p:txBody>
+          <a:bodyPr/>
+          <a:lstStyle/>
+          <a:p>
+            <a:fld id="{C5CEA632-0B11-B841-9809-DBA4BE22E64B}" type="slidenum">
+              <a:rPr lang="en-US" altLang="en-US" smtClean="0"/>
+              <a:pPr/>
+              <a:t>9</a:t>
+            </a:fld>
+            <a:endParaRPr lang="en-US" altLang="en-US"/>
+          </a:p>
+        </p:txBody>
+      </p:sp>
+    </p:spTree>
+    <p:extLst>
+      <p:ext uri="{BB962C8B-B14F-4D97-AF65-F5344CB8AC3E}">
+        <p14:creationId xmlns:p14="http://schemas.microsoft.com/office/powerpoint/2010/main" val="996717578"/>
+      </p:ext>
+    </p:extLst>
+  </p:cSld>
+  <p:clrMapOvr>
+    <a:masterClrMapping/>
+  </p:clrMapOvr>
+</p:notes>
+</file>
+
 <file path=ppt/slideLayouts/slideLayout1.xml><?xml version="1.0" encoding="utf-8"?>
 <p:sldLayout xmlns:a="http://schemas.openxmlformats.org/drawingml/2006/main" xmlns:r="http://schemas.openxmlformats.org/officeDocument/2006/relationships" xmlns:p="http://schemas.openxmlformats.org/presentationml/2006/main" showMasterSp="0" type="title" preserve="1">
   <p:cSld name="Title Slide">
@@ -1256,12 +1429,12 @@
           <a:effectLst/>
           <a:extLst>
             <a:ext uri="{909E8E84-426E-40dd-AFC4-6F175D3DCCD1}">
-              <a14:hiddenFill xmlns="" xmlns:a14="http://schemas.microsoft.com/office/drawing/2010/main">
+              <a14:hiddenFill xmlns:a14="http://schemas.microsoft.com/office/drawing/2010/main" xmlns="">
                 <a:noFill/>
               </a14:hiddenFill>
             </a:ext>
             <a:ext uri="{AF507438-7753-43e0-B8FC-AC1667EBCBE1}">
-              <a14:hiddenEffects xmlns="" xmlns:a14="http://schemas.microsoft.com/office/drawing/2010/main">
+              <a14:hiddenEffects xmlns:a14="http://schemas.microsoft.com/office/drawing/2010/main" xmlns="">
                 <a:effectLst>
                   <a:outerShdw blurRad="63500" dist="38099" dir="2700000" algn="ctr" rotWithShape="0">
                     <a:schemeClr val="bg2">
@@ -1376,14 +1549,14 @@
           </a:xfrm>
           <a:extLst>
             <a:ext uri="{909E8E84-426E-40dd-AFC4-6F175D3DCCD1}">
-              <a14:hiddenFill xmlns="" xmlns:a14="http://schemas.microsoft.com/office/drawing/2010/main">
+              <a14:hiddenFill xmlns:a14="http://schemas.microsoft.com/office/drawing/2010/main" xmlns="">
                 <a:solidFill>
                   <a:schemeClr val="accent1"/>
                 </a:solidFill>
               </a14:hiddenFill>
             </a:ext>
             <a:ext uri="{91240B29-F687-4f45-9708-019B960494DF}">
-              <a14:hiddenLine xmlns="" xmlns:a14="http://schemas.microsoft.com/office/drawing/2010/main" w="9525">
+              <a14:hiddenLine xmlns:a14="http://schemas.microsoft.com/office/drawing/2010/main" xmlns="" w="9525">
                 <a:solidFill>
                   <a:schemeClr val="tx1"/>
                 </a:solidFill>
@@ -1393,7 +1566,7 @@
               </a14:hiddenLine>
             </a:ext>
             <a:ext uri="{AF507438-7753-43e0-B8FC-AC1667EBCBE1}">
-              <a14:hiddenEffects xmlns="" xmlns:a14="http://schemas.microsoft.com/office/drawing/2010/main">
+              <a14:hiddenEffects xmlns:a14="http://schemas.microsoft.com/office/drawing/2010/main" xmlns="">
                 <a:effectLst>
                   <a:outerShdw blurRad="63500" dist="38099" dir="2700000" algn="ctr" rotWithShape="0">
                     <a:schemeClr val="bg2">
@@ -1404,7 +1577,7 @@
               </a14:hiddenEffects>
             </a:ext>
             <a:ext uri="{FAA26D3D-D897-4be2-8F04-BA451C77F1D7}">
-              <ma14:placeholderFlag xmlns="" xmlns:ma14="http://schemas.microsoft.com/office/mac/drawingml/2011/main" val="1"/>
+              <ma14:placeholderFlag xmlns:ma14="http://schemas.microsoft.com/office/mac/drawingml/2011/main" xmlns="" val="1"/>
             </a:ext>
           </a:extLst>
         </p:spPr>
@@ -1446,14 +1619,14 @@
           </a:xfrm>
           <a:extLst>
             <a:ext uri="{909E8E84-426E-40dd-AFC4-6F175D3DCCD1}">
-              <a14:hiddenFill xmlns="" xmlns:a14="http://schemas.microsoft.com/office/drawing/2010/main">
+              <a14:hiddenFill xmlns:a14="http://schemas.microsoft.com/office/drawing/2010/main" xmlns="">
                 <a:solidFill>
                   <a:schemeClr val="accent1"/>
                 </a:solidFill>
               </a14:hiddenFill>
             </a:ext>
             <a:ext uri="{91240B29-F687-4f45-9708-019B960494DF}">
-              <a14:hiddenLine xmlns="" xmlns:a14="http://schemas.microsoft.com/office/drawing/2010/main" w="9525">
+              <a14:hiddenLine xmlns:a14="http://schemas.microsoft.com/office/drawing/2010/main" xmlns="" w="9525">
                 <a:solidFill>
                   <a:schemeClr val="tx1"/>
                 </a:solidFill>
@@ -1463,7 +1636,7 @@
               </a14:hiddenLine>
             </a:ext>
             <a:ext uri="{AF507438-7753-43e0-B8FC-AC1667EBCBE1}">
-              <a14:hiddenEffects xmlns="" xmlns:a14="http://schemas.microsoft.com/office/drawing/2010/main">
+              <a14:hiddenEffects xmlns:a14="http://schemas.microsoft.com/office/drawing/2010/main" xmlns="">
                 <a:effectLst>
                   <a:outerShdw blurRad="63500" dist="38099" dir="2700000" algn="ctr" rotWithShape="0">
                     <a:schemeClr val="bg2">
@@ -1474,7 +1647,7 @@
               </a14:hiddenEffects>
             </a:ext>
             <a:ext uri="{FAA26D3D-D897-4be2-8F04-BA451C77F1D7}">
-              <ma14:placeholderFlag xmlns="" xmlns:ma14="http://schemas.microsoft.com/office/mac/drawingml/2011/main" val="1"/>
+              <ma14:placeholderFlag xmlns:ma14="http://schemas.microsoft.com/office/mac/drawingml/2011/main" xmlns="" val="1"/>
             </a:ext>
           </a:extLst>
         </p:spPr>
@@ -1516,14 +1689,14 @@
           </a:xfrm>
           <a:extLst>
             <a:ext uri="{909E8E84-426E-40dd-AFC4-6F175D3DCCD1}">
-              <a14:hiddenFill xmlns="" xmlns:a14="http://schemas.microsoft.com/office/drawing/2010/main">
+              <a14:hiddenFill xmlns:a14="http://schemas.microsoft.com/office/drawing/2010/main" xmlns="">
                 <a:solidFill>
                   <a:schemeClr val="accent1"/>
                 </a:solidFill>
               </a14:hiddenFill>
             </a:ext>
             <a:ext uri="{91240B29-F687-4f45-9708-019B960494DF}">
-              <a14:hiddenLine xmlns="" xmlns:a14="http://schemas.microsoft.com/office/drawing/2010/main" w="9525">
+              <a14:hiddenLine xmlns:a14="http://schemas.microsoft.com/office/drawing/2010/main" xmlns="" w="9525">
                 <a:solidFill>
                   <a:schemeClr val="tx1"/>
                 </a:solidFill>
@@ -1533,7 +1706,7 @@
               </a14:hiddenLine>
             </a:ext>
             <a:ext uri="{AF507438-7753-43e0-B8FC-AC1667EBCBE1}">
-              <a14:hiddenEffects xmlns="" xmlns:a14="http://schemas.microsoft.com/office/drawing/2010/main">
+              <a14:hiddenEffects xmlns:a14="http://schemas.microsoft.com/office/drawing/2010/main" xmlns="">
                 <a:effectLst>
                   <a:outerShdw blurRad="63500" dist="38099" dir="2700000" algn="ctr" rotWithShape="0">
                     <a:schemeClr val="bg2">
@@ -1544,7 +1717,7 @@
               </a14:hiddenEffects>
             </a:ext>
             <a:ext uri="{FAA26D3D-D897-4be2-8F04-BA451C77F1D7}">
-              <ma14:placeholderFlag xmlns="" xmlns:ma14="http://schemas.microsoft.com/office/mac/drawingml/2011/main" val="1"/>
+              <ma14:placeholderFlag xmlns:ma14="http://schemas.microsoft.com/office/mac/drawingml/2011/main" xmlns="" val="1"/>
             </a:ext>
           </a:extLst>
         </p:spPr>
@@ -4211,14 +4384,14 @@
           <a:effectLst/>
           <a:extLst>
             <a:ext uri="{909E8E84-426E-40dd-AFC4-6F175D3DCCD1}">
-              <a14:hiddenFill xmlns="" xmlns:a14="http://schemas.microsoft.com/office/drawing/2010/main">
+              <a14:hiddenFill xmlns:a14="http://schemas.microsoft.com/office/drawing/2010/main" xmlns="">
                 <a:solidFill>
                   <a:schemeClr val="accent1"/>
                 </a:solidFill>
               </a14:hiddenFill>
             </a:ext>
             <a:ext uri="{91240B29-F687-4f45-9708-019B960494DF}">
-              <a14:hiddenLine xmlns="" xmlns:a14="http://schemas.microsoft.com/office/drawing/2010/main" w="9525">
+              <a14:hiddenLine xmlns:a14="http://schemas.microsoft.com/office/drawing/2010/main" xmlns="" w="9525">
                 <a:solidFill>
                   <a:schemeClr val="tx1"/>
                 </a:solidFill>
@@ -4228,7 +4401,7 @@
               </a14:hiddenLine>
             </a:ext>
             <a:ext uri="{AF507438-7753-43e0-B8FC-AC1667EBCBE1}">
-              <a14:hiddenEffects xmlns="" xmlns:a14="http://schemas.microsoft.com/office/drawing/2010/main">
+              <a14:hiddenEffects xmlns:a14="http://schemas.microsoft.com/office/drawing/2010/main" xmlns="">
                 <a:effectLst>
                   <a:outerShdw blurRad="63500" dist="38099" dir="2700000" algn="ctr" rotWithShape="0">
                     <a:schemeClr val="bg2">
@@ -4239,7 +4412,7 @@
               </a14:hiddenEffects>
             </a:ext>
             <a:ext uri="{FAA26D3D-D897-4be2-8F04-BA451C77F1D7}">
-              <ma14:placeholderFlag xmlns="" xmlns:ma14="http://schemas.microsoft.com/office/mac/drawingml/2011/main" val="1"/>
+              <ma14:placeholderFlag xmlns:ma14="http://schemas.microsoft.com/office/mac/drawingml/2011/main" xmlns="" val="1"/>
             </a:ext>
           </a:extLst>
         </p:spPr>
@@ -4290,14 +4463,14 @@
           <a:effectLst/>
           <a:extLst>
             <a:ext uri="{909E8E84-426E-40dd-AFC4-6F175D3DCCD1}">
-              <a14:hiddenFill xmlns="" xmlns:a14="http://schemas.microsoft.com/office/drawing/2010/main">
+              <a14:hiddenFill xmlns:a14="http://schemas.microsoft.com/office/drawing/2010/main" xmlns="">
                 <a:solidFill>
                   <a:schemeClr val="accent1"/>
                 </a:solidFill>
               </a14:hiddenFill>
             </a:ext>
             <a:ext uri="{91240B29-F687-4f45-9708-019B960494DF}">
-              <a14:hiddenLine xmlns="" xmlns:a14="http://schemas.microsoft.com/office/drawing/2010/main" w="9525">
+              <a14:hiddenLine xmlns:a14="http://schemas.microsoft.com/office/drawing/2010/main" xmlns="" w="9525">
                 <a:solidFill>
                   <a:schemeClr val="tx1"/>
                 </a:solidFill>
@@ -4307,7 +4480,7 @@
               </a14:hiddenLine>
             </a:ext>
             <a:ext uri="{AF507438-7753-43e0-B8FC-AC1667EBCBE1}">
-              <a14:hiddenEffects xmlns="" xmlns:a14="http://schemas.microsoft.com/office/drawing/2010/main">
+              <a14:hiddenEffects xmlns:a14="http://schemas.microsoft.com/office/drawing/2010/main" xmlns="">
                 <a:effectLst>
                   <a:outerShdw blurRad="63500" dist="38099" dir="2700000" algn="ctr" rotWithShape="0">
                     <a:schemeClr val="bg2">
@@ -4318,7 +4491,7 @@
               </a14:hiddenEffects>
             </a:ext>
             <a:ext uri="{FAA26D3D-D897-4be2-8F04-BA451C77F1D7}">
-              <ma14:placeholderFlag xmlns="" xmlns:ma14="http://schemas.microsoft.com/office/mac/drawingml/2011/main" val="1"/>
+              <ma14:placeholderFlag xmlns:ma14="http://schemas.microsoft.com/office/mac/drawingml/2011/main" xmlns="" val="1"/>
             </a:ext>
           </a:extLst>
         </p:spPr>
@@ -4397,14 +4570,14 @@
           <a:effectLst/>
           <a:extLst>
             <a:ext uri="{909E8E84-426E-40dd-AFC4-6F175D3DCCD1}">
-              <a14:hiddenFill xmlns="" xmlns:a14="http://schemas.microsoft.com/office/drawing/2010/main">
+              <a14:hiddenFill xmlns:a14="http://schemas.microsoft.com/office/drawing/2010/main" xmlns="">
                 <a:solidFill>
                   <a:schemeClr val="accent1"/>
                 </a:solidFill>
               </a14:hiddenFill>
             </a:ext>
             <a:ext uri="{91240B29-F687-4f45-9708-019B960494DF}">
-              <a14:hiddenLine xmlns="" xmlns:a14="http://schemas.microsoft.com/office/drawing/2010/main" w="9525">
+              <a14:hiddenLine xmlns:a14="http://schemas.microsoft.com/office/drawing/2010/main" xmlns="" w="9525">
                 <a:solidFill>
                   <a:schemeClr val="tx1"/>
                 </a:solidFill>
@@ -4414,7 +4587,7 @@
               </a14:hiddenLine>
             </a:ext>
             <a:ext uri="{AF507438-7753-43e0-B8FC-AC1667EBCBE1}">
-              <a14:hiddenEffects xmlns="" xmlns:a14="http://schemas.microsoft.com/office/drawing/2010/main">
+              <a14:hiddenEffects xmlns:a14="http://schemas.microsoft.com/office/drawing/2010/main" xmlns="">
                 <a:effectLst>
                   <a:outerShdw blurRad="63500" dist="38099" dir="2700000" algn="ctr" rotWithShape="0">
                     <a:schemeClr val="bg2">
@@ -4425,7 +4598,7 @@
               </a14:hiddenEffects>
             </a:ext>
             <a:ext uri="{FAA26D3D-D897-4be2-8F04-BA451C77F1D7}">
-              <ma14:placeholderFlag xmlns="" xmlns:ma14="http://schemas.microsoft.com/office/mac/drawingml/2011/main" val="1"/>
+              <ma14:placeholderFlag xmlns:ma14="http://schemas.microsoft.com/office/mac/drawingml/2011/main" xmlns="" val="1"/>
             </a:ext>
           </a:extLst>
         </p:spPr>
@@ -4483,14 +4656,14 @@
           <a:effectLst/>
           <a:extLst>
             <a:ext uri="{909E8E84-426E-40dd-AFC4-6F175D3DCCD1}">
-              <a14:hiddenFill xmlns="" xmlns:a14="http://schemas.microsoft.com/office/drawing/2010/main">
+              <a14:hiddenFill xmlns:a14="http://schemas.microsoft.com/office/drawing/2010/main" xmlns="">
                 <a:solidFill>
                   <a:schemeClr val="accent1"/>
                 </a:solidFill>
               </a14:hiddenFill>
             </a:ext>
             <a:ext uri="{91240B29-F687-4f45-9708-019B960494DF}">
-              <a14:hiddenLine xmlns="" xmlns:a14="http://schemas.microsoft.com/office/drawing/2010/main" w="9525">
+              <a14:hiddenLine xmlns:a14="http://schemas.microsoft.com/office/drawing/2010/main" xmlns="" w="9525">
                 <a:solidFill>
                   <a:schemeClr val="tx1"/>
                 </a:solidFill>
@@ -4500,7 +4673,7 @@
               </a14:hiddenLine>
             </a:ext>
             <a:ext uri="{AF507438-7753-43e0-B8FC-AC1667EBCBE1}">
-              <a14:hiddenEffects xmlns="" xmlns:a14="http://schemas.microsoft.com/office/drawing/2010/main">
+              <a14:hiddenEffects xmlns:a14="http://schemas.microsoft.com/office/drawing/2010/main" xmlns="">
                 <a:effectLst>
                   <a:outerShdw blurRad="63500" dist="38099" dir="2700000" algn="ctr" rotWithShape="0">
                     <a:schemeClr val="bg2">
@@ -4511,7 +4684,7 @@
               </a14:hiddenEffects>
             </a:ext>
             <a:ext uri="{FAA26D3D-D897-4be2-8F04-BA451C77F1D7}">
-              <ma14:placeholderFlag xmlns="" xmlns:ma14="http://schemas.microsoft.com/office/mac/drawingml/2011/main" val="1"/>
+              <ma14:placeholderFlag xmlns:ma14="http://schemas.microsoft.com/office/mac/drawingml/2011/main" xmlns="" val="1"/>
             </a:ext>
           </a:extLst>
         </p:spPr>
@@ -4569,14 +4742,14 @@
           <a:effectLst/>
           <a:extLst>
             <a:ext uri="{909E8E84-426E-40dd-AFC4-6F175D3DCCD1}">
-              <a14:hiddenFill xmlns="" xmlns:a14="http://schemas.microsoft.com/office/drawing/2010/main">
+              <a14:hiddenFill xmlns:a14="http://schemas.microsoft.com/office/drawing/2010/main" xmlns="">
                 <a:solidFill>
                   <a:schemeClr val="accent1"/>
                 </a:solidFill>
               </a14:hiddenFill>
             </a:ext>
             <a:ext uri="{91240B29-F687-4f45-9708-019B960494DF}">
-              <a14:hiddenLine xmlns="" xmlns:a14="http://schemas.microsoft.com/office/drawing/2010/main" w="9525">
+              <a14:hiddenLine xmlns:a14="http://schemas.microsoft.com/office/drawing/2010/main" xmlns="" w="9525">
                 <a:solidFill>
                   <a:schemeClr val="tx1"/>
                 </a:solidFill>
@@ -4586,7 +4759,7 @@
               </a14:hiddenLine>
             </a:ext>
             <a:ext uri="{AF507438-7753-43e0-B8FC-AC1667EBCBE1}">
-              <a14:hiddenEffects xmlns="" xmlns:a14="http://schemas.microsoft.com/office/drawing/2010/main">
+              <a14:hiddenEffects xmlns:a14="http://schemas.microsoft.com/office/drawing/2010/main" xmlns="">
                 <a:effectLst>
                   <a:outerShdw blurRad="63500" dist="38099" dir="2700000" algn="ctr" rotWithShape="0">
                     <a:schemeClr val="bg2">
@@ -4597,7 +4770,7 @@
               </a14:hiddenEffects>
             </a:ext>
             <a:ext uri="{FAA26D3D-D897-4be2-8F04-BA451C77F1D7}">
-              <ma14:placeholderFlag xmlns="" xmlns:ma14="http://schemas.microsoft.com/office/mac/drawingml/2011/main" val="1"/>
+              <ma14:placeholderFlag xmlns:ma14="http://schemas.microsoft.com/office/mac/drawingml/2011/main" xmlns="" val="1"/>
             </a:ext>
           </a:extLst>
         </p:spPr>
@@ -4656,12 +4829,12 @@
           <a:effectLst/>
           <a:extLst>
             <a:ext uri="{909E8E84-426E-40dd-AFC4-6F175D3DCCD1}">
-              <a14:hiddenFill xmlns="" xmlns:a14="http://schemas.microsoft.com/office/drawing/2010/main">
+              <a14:hiddenFill xmlns:a14="http://schemas.microsoft.com/office/drawing/2010/main" xmlns="">
                 <a:noFill/>
               </a14:hiddenFill>
             </a:ext>
             <a:ext uri="{AF507438-7753-43e0-B8FC-AC1667EBCBE1}">
-              <a14:hiddenEffects xmlns="" xmlns:a14="http://schemas.microsoft.com/office/drawing/2010/main">
+              <a14:hiddenEffects xmlns:a14="http://schemas.microsoft.com/office/drawing/2010/main" xmlns="">
                 <a:effectLst>
                   <a:outerShdw blurRad="63500" dist="38099" dir="2700000" algn="ctr" rotWithShape="0">
                     <a:schemeClr val="bg2">
@@ -5289,7 +5462,7 @@
           <p:cNvPr id="3" name="Title 2">
             <a:extLst>
               <a:ext uri="{FF2B5EF4-FFF2-40B4-BE49-F238E27FC236}">
-                <a16:creationId xmlns:a16="http://schemas.microsoft.com/office/drawing/2014/main" id="{6571A0C0-B227-F542-BA48-6D71AEDD9779}"/>
+                <a16:creationId xmlns:a16="http://schemas.microsoft.com/office/drawing/2014/main" id="{117FE473-0B34-8440-B30B-C6957F135383}"/>
               </a:ext>
             </a:extLst>
           </p:cNvPr>
@@ -5307,13 +5480,8 @@
           <a:p>
             <a:r>
               <a:rPr lang="en-US" dirty="0"/>
-              <a:t>Case Study: </a:t>
-            </a:r>
-            <a:r>
-              <a:rPr lang="en-US" dirty="0" err="1"/>
-              <a:t>SpaceObjects</a:t>
-            </a:r>
-            <a:endParaRPr lang="en-US" dirty="0"/>
+              <a:t>Higher-Order Programming</a:t>
+            </a:r>
           </a:p>
         </p:txBody>
       </p:sp>
@@ -5322,7 +5490,7 @@
           <p:cNvPr id="4" name="Content Placeholder 3">
             <a:extLst>
               <a:ext uri="{FF2B5EF4-FFF2-40B4-BE49-F238E27FC236}">
-                <a16:creationId xmlns:a16="http://schemas.microsoft.com/office/drawing/2014/main" id="{6741EECC-BD7D-C341-8161-06EA981D3E8E}"/>
+                <a16:creationId xmlns:a16="http://schemas.microsoft.com/office/drawing/2014/main" id="{626CE476-6C79-5148-AB93-9765886A8422}"/>
               </a:ext>
             </a:extLst>
           </p:cNvPr>
@@ -5335,36 +5503,12 @@
         </p:nvSpPr>
         <p:spPr/>
         <p:txBody>
-          <a:bodyPr>
-            <a:normAutofit fontScale="92500" lnSpcReduction="10000"/>
-          </a:bodyPr>
+          <a:bodyPr/>
           <a:lstStyle/>
           <a:p>
             <a:r>
               <a:rPr lang="en-US" dirty="0"/>
-              <a:t>This program is inspired by the programs from the Wikipedia page:</a:t>
-            </a:r>
-            <a:br>
-              <a:rPr lang="en-US" dirty="0"/>
-            </a:br>
-            <a:r>
-              <a:rPr lang="en-US" sz="2000" dirty="0">
-                <a:hlinkClick r:id="rId2"/>
-              </a:rPr>
-              <a:t>https://en.wikipedia.org/wiki/Multiple_dispatch</a:t>
-            </a:r>
-            <a:endParaRPr lang="en-US" sz="2000" dirty="0"/>
-          </a:p>
-          <a:p>
-            <a:r>
-              <a:rPr lang="en-US" dirty="0"/>
-              <a:t>The idea is that we are given pairs of space objects and we have to write a function that determines what kind of collision we are looking at and print out messages accordingly.</a:t>
-            </a:r>
-          </a:p>
-          <a:p>
-            <a:r>
-              <a:rPr lang="en-US" dirty="0"/>
-              <a:t>We’ll start with an imperative solution to this</a:t>
+              <a:t>The version quicksort that uses a passed in order predicate is interesting because it is now generic over the objects it can sort…</a:t>
             </a:r>
           </a:p>
         </p:txBody>
@@ -5372,7 +5516,7 @@
     </p:spTree>
     <p:extLst>
       <p:ext uri="{BB962C8B-B14F-4D97-AF65-F5344CB8AC3E}">
-        <p14:creationId xmlns:p14="http://schemas.microsoft.com/office/powerpoint/2010/main" val="2188502792"/>
+        <p14:creationId xmlns:p14="http://schemas.microsoft.com/office/powerpoint/2010/main" val="158015312"/>
       </p:ext>
     </p:extLst>
   </p:cSld>
@@ -5401,6 +5545,477 @@
       </p:grpSpPr>
       <p:sp>
         <p:nvSpPr>
+          <p:cNvPr id="3" name="Title 2">
+            <a:extLst>
+              <a:ext uri="{FF2B5EF4-FFF2-40B4-BE49-F238E27FC236}">
+                <a16:creationId xmlns:a16="http://schemas.microsoft.com/office/drawing/2014/main" id="{117FE473-0B34-8440-B30B-C6957F135383}"/>
+              </a:ext>
+            </a:extLst>
+          </p:cNvPr>
+          <p:cNvSpPr>
+            <a:spLocks noGrp="1"/>
+          </p:cNvSpPr>
+          <p:nvPr>
+            <p:ph type="title"/>
+          </p:nvPr>
+        </p:nvSpPr>
+        <p:spPr/>
+        <p:txBody>
+          <a:bodyPr/>
+          <a:lstStyle/>
+          <a:p>
+            <a:r>
+              <a:rPr lang="en-US" dirty="0"/>
+              <a:t>Higher-Order Programming</a:t>
+            </a:r>
+          </a:p>
+        </p:txBody>
+      </p:sp>
+      <p:pic>
+        <p:nvPicPr>
+          <p:cNvPr id="7" name="Picture 6">
+            <a:extLst>
+              <a:ext uri="{FF2B5EF4-FFF2-40B4-BE49-F238E27FC236}">
+                <a16:creationId xmlns:a16="http://schemas.microsoft.com/office/drawing/2014/main" id="{1667475A-3719-244D-824D-DE2C17088F45}"/>
+              </a:ext>
+            </a:extLst>
+          </p:cNvPr>
+          <p:cNvPicPr>
+            <a:picLocks noChangeAspect="1"/>
+          </p:cNvPicPr>
+          <p:nvPr/>
+        </p:nvPicPr>
+        <p:blipFill>
+          <a:blip r:embed="rId2"/>
+          <a:stretch>
+            <a:fillRect/>
+          </a:stretch>
+        </p:blipFill>
+        <p:spPr>
+          <a:xfrm>
+            <a:off x="762000" y="685800"/>
+            <a:ext cx="6514603" cy="5759450"/>
+          </a:xfrm>
+          <a:prstGeom prst="rect">
+            <a:avLst/>
+          </a:prstGeom>
+          <a:ln>
+            <a:solidFill>
+              <a:schemeClr val="tx1"/>
+            </a:solidFill>
+          </a:ln>
+        </p:spPr>
+      </p:pic>
+    </p:spTree>
+    <p:extLst>
+      <p:ext uri="{BB962C8B-B14F-4D97-AF65-F5344CB8AC3E}">
+        <p14:creationId xmlns:p14="http://schemas.microsoft.com/office/powerpoint/2010/main" val="2315123967"/>
+      </p:ext>
+    </p:extLst>
+  </p:cSld>
+  <p:clrMapOvr>
+    <a:masterClrMapping/>
+  </p:clrMapOvr>
+</p:sld>
+</file>
+
+<file path=ppt/slides/slide12.xml><?xml version="1.0" encoding="utf-8"?>
+<p:sld xmlns:a="http://schemas.openxmlformats.org/drawingml/2006/main" xmlns:r="http://schemas.openxmlformats.org/officeDocument/2006/relationships" xmlns:p="http://schemas.openxmlformats.org/presentationml/2006/main">
+  <p:cSld>
+    <p:spTree>
+      <p:nvGrpSpPr>
+        <p:cNvPr id="1" name=""/>
+        <p:cNvGrpSpPr/>
+        <p:nvPr/>
+      </p:nvGrpSpPr>
+      <p:grpSpPr>
+        <a:xfrm>
+          <a:off x="0" y="0"/>
+          <a:ext cx="0" cy="0"/>
+          <a:chOff x="0" y="0"/>
+          <a:chExt cx="0" cy="0"/>
+        </a:xfrm>
+      </p:grpSpPr>
+      <p:sp>
+        <p:nvSpPr>
+          <p:cNvPr id="3" name="Title 2">
+            <a:extLst>
+              <a:ext uri="{FF2B5EF4-FFF2-40B4-BE49-F238E27FC236}">
+                <a16:creationId xmlns:a16="http://schemas.microsoft.com/office/drawing/2014/main" id="{117FE473-0B34-8440-B30B-C6957F135383}"/>
+              </a:ext>
+            </a:extLst>
+          </p:cNvPr>
+          <p:cNvSpPr>
+            <a:spLocks noGrp="1"/>
+          </p:cNvSpPr>
+          <p:nvPr>
+            <p:ph type="title"/>
+          </p:nvPr>
+        </p:nvSpPr>
+        <p:spPr/>
+        <p:txBody>
+          <a:bodyPr/>
+          <a:lstStyle/>
+          <a:p>
+            <a:r>
+              <a:rPr lang="en-US" dirty="0"/>
+              <a:t>Higher-Order Programming - Python</a:t>
+            </a:r>
+          </a:p>
+        </p:txBody>
+      </p:sp>
+      <p:pic>
+        <p:nvPicPr>
+          <p:cNvPr id="6" name="Picture 5">
+            <a:extLst>
+              <a:ext uri="{FF2B5EF4-FFF2-40B4-BE49-F238E27FC236}">
+                <a16:creationId xmlns:a16="http://schemas.microsoft.com/office/drawing/2014/main" id="{8DFDBCDB-9E3A-B948-984E-F7F51D4AF347}"/>
+              </a:ext>
+            </a:extLst>
+          </p:cNvPr>
+          <p:cNvPicPr>
+            <a:picLocks noChangeAspect="1"/>
+          </p:cNvPicPr>
+          <p:nvPr/>
+        </p:nvPicPr>
+        <p:blipFill>
+          <a:blip r:embed="rId2"/>
+          <a:stretch>
+            <a:fillRect/>
+          </a:stretch>
+        </p:blipFill>
+        <p:spPr>
+          <a:xfrm>
+            <a:off x="3733800" y="1143000"/>
+            <a:ext cx="4541791" cy="5353515"/>
+          </a:xfrm>
+          <a:prstGeom prst="rect">
+            <a:avLst/>
+          </a:prstGeom>
+          <a:ln>
+            <a:solidFill>
+              <a:schemeClr val="tx1"/>
+            </a:solidFill>
+          </a:ln>
+        </p:spPr>
+      </p:pic>
+      <p:sp>
+        <p:nvSpPr>
+          <p:cNvPr id="8" name="Left Arrow 7">
+            <a:extLst>
+              <a:ext uri="{FF2B5EF4-FFF2-40B4-BE49-F238E27FC236}">
+                <a16:creationId xmlns:a16="http://schemas.microsoft.com/office/drawing/2014/main" id="{5D432E04-AEBD-1C44-B048-6B58AC4B68AC}"/>
+              </a:ext>
+            </a:extLst>
+          </p:cNvPr>
+          <p:cNvSpPr/>
+          <p:nvPr/>
+        </p:nvSpPr>
+        <p:spPr bwMode="auto">
+          <a:xfrm rot="18687233">
+            <a:off x="4827031" y="4233964"/>
+            <a:ext cx="457200" cy="200603"/>
+          </a:xfrm>
+          <a:prstGeom prst="leftArrow">
+            <a:avLst/>
+          </a:prstGeom>
+          <a:solidFill>
+            <a:srgbClr val="FF0000"/>
+          </a:solidFill>
+          <a:ln w="9525" cap="flat" cmpd="sng" algn="ctr">
+            <a:solidFill>
+              <a:schemeClr val="tx1"/>
+            </a:solidFill>
+            <a:prstDash val="solid"/>
+            <a:round/>
+            <a:headEnd type="none" w="med" len="med"/>
+            <a:tailEnd type="none" w="med" len="med"/>
+          </a:ln>
+          <a:effectLst/>
+          <a:extLst>
+            <a:ext uri="{AF507438-7753-43e0-B8FC-AC1667EBCBE1}">
+              <a14:hiddenEffects xmlns:a14="http://schemas.microsoft.com/office/drawing/2010/main" xmlns="">
+                <a:effectLst>
+                  <a:outerShdw blurRad="63500" dist="38099" dir="2700000" algn="ctr" rotWithShape="0">
+                    <a:schemeClr val="bg2">
+                      <a:alpha val="74998"/>
+                    </a:schemeClr>
+                  </a:outerShdw>
+                </a:effectLst>
+              </a14:hiddenEffects>
+            </a:ext>
+          </a:extLst>
+        </p:spPr>
+        <p:txBody>
+          <a:bodyPr vert="horz" wrap="square" lIns="91440" tIns="45720" rIns="91440" bIns="45720" numCol="1" rtlCol="0" anchor="t" anchorCtr="0" compatLnSpc="1">
+            <a:prstTxWarp prst="textNoShape">
+              <a:avLst/>
+            </a:prstTxWarp>
+          </a:bodyPr>
+          <a:lstStyle/>
+          <a:p>
+            <a:pPr marL="0" marR="0" indent="0" algn="l" defTabSz="914400" rtl="0" eaLnBrk="0" fontAlgn="base" latinLnBrk="0" hangingPunct="0">
+              <a:lnSpc>
+                <a:spcPct val="100000"/>
+              </a:lnSpc>
+              <a:spcBef>
+                <a:spcPct val="0"/>
+              </a:spcBef>
+              <a:spcAft>
+                <a:spcPct val="0"/>
+              </a:spcAft>
+              <a:buClrTx/>
+              <a:buSzTx/>
+              <a:buFontTx/>
+              <a:buNone/>
+              <a:tabLst/>
+            </a:pPr>
+            <a:endParaRPr kumimoji="0" lang="en-US" sz="1600" b="0" i="0" u="none" strike="noStrike" cap="none" normalizeH="0" baseline="0">
+              <a:ln>
+                <a:noFill/>
+              </a:ln>
+              <a:solidFill>
+                <a:srgbClr val="000000"/>
+              </a:solidFill>
+              <a:effectLst/>
+              <a:latin typeface="Arial" charset="0"/>
+              <a:ea typeface="ＭＳ Ｐゴシック" charset="0"/>
+            </a:endParaRPr>
+          </a:p>
+        </p:txBody>
+      </p:sp>
+      <p:sp>
+        <p:nvSpPr>
+          <p:cNvPr id="9" name="Left Arrow 8">
+            <a:extLst>
+              <a:ext uri="{FF2B5EF4-FFF2-40B4-BE49-F238E27FC236}">
+                <a16:creationId xmlns:a16="http://schemas.microsoft.com/office/drawing/2014/main" id="{DC7EA385-FB05-264A-A488-0E454AFC21CC}"/>
+              </a:ext>
+            </a:extLst>
+          </p:cNvPr>
+          <p:cNvSpPr/>
+          <p:nvPr/>
+        </p:nvSpPr>
+        <p:spPr bwMode="auto">
+          <a:xfrm rot="18687233">
+            <a:off x="5712912" y="5453164"/>
+            <a:ext cx="457200" cy="200603"/>
+          </a:xfrm>
+          <a:prstGeom prst="leftArrow">
+            <a:avLst/>
+          </a:prstGeom>
+          <a:solidFill>
+            <a:srgbClr val="FF0000"/>
+          </a:solidFill>
+          <a:ln w="9525" cap="flat" cmpd="sng" algn="ctr">
+            <a:solidFill>
+              <a:schemeClr val="tx1"/>
+            </a:solidFill>
+            <a:prstDash val="solid"/>
+            <a:round/>
+            <a:headEnd type="none" w="med" len="med"/>
+            <a:tailEnd type="none" w="med" len="med"/>
+          </a:ln>
+          <a:effectLst/>
+          <a:extLst>
+            <a:ext uri="{AF507438-7753-43e0-B8FC-AC1667EBCBE1}">
+              <a14:hiddenEffects xmlns:a14="http://schemas.microsoft.com/office/drawing/2010/main" xmlns="">
+                <a:effectLst>
+                  <a:outerShdw blurRad="63500" dist="38099" dir="2700000" algn="ctr" rotWithShape="0">
+                    <a:schemeClr val="bg2">
+                      <a:alpha val="74998"/>
+                    </a:schemeClr>
+                  </a:outerShdw>
+                </a:effectLst>
+              </a14:hiddenEffects>
+            </a:ext>
+          </a:extLst>
+        </p:spPr>
+        <p:txBody>
+          <a:bodyPr vert="horz" wrap="square" lIns="91440" tIns="45720" rIns="91440" bIns="45720" numCol="1" rtlCol="0" anchor="t" anchorCtr="0" compatLnSpc="1">
+            <a:prstTxWarp prst="textNoShape">
+              <a:avLst/>
+            </a:prstTxWarp>
+          </a:bodyPr>
+          <a:lstStyle/>
+          <a:p>
+            <a:pPr marL="0" marR="0" indent="0" algn="l" defTabSz="914400" rtl="0" eaLnBrk="0" fontAlgn="base" latinLnBrk="0" hangingPunct="0">
+              <a:lnSpc>
+                <a:spcPct val="100000"/>
+              </a:lnSpc>
+              <a:spcBef>
+                <a:spcPct val="0"/>
+              </a:spcBef>
+              <a:spcAft>
+                <a:spcPct val="0"/>
+              </a:spcAft>
+              <a:buClrTx/>
+              <a:buSzTx/>
+              <a:buFontTx/>
+              <a:buNone/>
+              <a:tabLst/>
+            </a:pPr>
+            <a:endParaRPr kumimoji="0" lang="en-US" sz="1600" b="0" i="0" u="none" strike="noStrike" cap="none" normalizeH="0" baseline="0">
+              <a:ln>
+                <a:noFill/>
+              </a:ln>
+              <a:solidFill>
+                <a:srgbClr val="000000"/>
+              </a:solidFill>
+              <a:effectLst/>
+              <a:latin typeface="Arial" charset="0"/>
+              <a:ea typeface="ＭＳ Ｐゴシック" charset="0"/>
+            </a:endParaRPr>
+          </a:p>
+        </p:txBody>
+      </p:sp>
+    </p:spTree>
+    <p:extLst>
+      <p:ext uri="{BB962C8B-B14F-4D97-AF65-F5344CB8AC3E}">
+        <p14:creationId xmlns:p14="http://schemas.microsoft.com/office/powerpoint/2010/main" val="3912980504"/>
+      </p:ext>
+    </p:extLst>
+  </p:cSld>
+  <p:clrMapOvr>
+    <a:masterClrMapping/>
+  </p:clrMapOvr>
+</p:sld>
+</file>
+
+<file path=ppt/slides/slide13.xml><?xml version="1.0" encoding="utf-8"?>
+<p:sld xmlns:a="http://schemas.openxmlformats.org/drawingml/2006/main" xmlns:r="http://schemas.openxmlformats.org/officeDocument/2006/relationships" xmlns:p="http://schemas.openxmlformats.org/presentationml/2006/main">
+  <p:cSld>
+    <p:spTree>
+      <p:nvGrpSpPr>
+        <p:cNvPr id="1" name=""/>
+        <p:cNvGrpSpPr/>
+        <p:nvPr/>
+      </p:nvGrpSpPr>
+      <p:grpSpPr>
+        <a:xfrm>
+          <a:off x="0" y="0"/>
+          <a:ext cx="0" cy="0"/>
+          <a:chOff x="0" y="0"/>
+          <a:chExt cx="0" cy="0"/>
+        </a:xfrm>
+      </p:grpSpPr>
+      <p:sp>
+        <p:nvSpPr>
+          <p:cNvPr id="3" name="Title 2">
+            <a:extLst>
+              <a:ext uri="{FF2B5EF4-FFF2-40B4-BE49-F238E27FC236}">
+                <a16:creationId xmlns:a16="http://schemas.microsoft.com/office/drawing/2014/main" id="{6571A0C0-B227-F542-BA48-6D71AEDD9779}"/>
+              </a:ext>
+            </a:extLst>
+          </p:cNvPr>
+          <p:cNvSpPr>
+            <a:spLocks noGrp="1"/>
+          </p:cNvSpPr>
+          <p:nvPr>
+            <p:ph type="title"/>
+          </p:nvPr>
+        </p:nvSpPr>
+        <p:spPr/>
+        <p:txBody>
+          <a:bodyPr/>
+          <a:lstStyle/>
+          <a:p>
+            <a:r>
+              <a:rPr lang="en-US" dirty="0"/>
+              <a:t>Case Study: </a:t>
+            </a:r>
+            <a:r>
+              <a:rPr lang="en-US" dirty="0" err="1"/>
+              <a:t>SpaceObjects</a:t>
+            </a:r>
+            <a:endParaRPr lang="en-US" dirty="0"/>
+          </a:p>
+        </p:txBody>
+      </p:sp>
+      <p:sp>
+        <p:nvSpPr>
+          <p:cNvPr id="4" name="Content Placeholder 3">
+            <a:extLst>
+              <a:ext uri="{FF2B5EF4-FFF2-40B4-BE49-F238E27FC236}">
+                <a16:creationId xmlns:a16="http://schemas.microsoft.com/office/drawing/2014/main" id="{6741EECC-BD7D-C341-8161-06EA981D3E8E}"/>
+              </a:ext>
+            </a:extLst>
+          </p:cNvPr>
+          <p:cNvSpPr>
+            <a:spLocks noGrp="1"/>
+          </p:cNvSpPr>
+          <p:nvPr>
+            <p:ph idx="1"/>
+          </p:nvPr>
+        </p:nvSpPr>
+        <p:spPr/>
+        <p:txBody>
+          <a:bodyPr>
+            <a:normAutofit fontScale="92500" lnSpcReduction="10000"/>
+          </a:bodyPr>
+          <a:lstStyle/>
+          <a:p>
+            <a:r>
+              <a:rPr lang="en-US" dirty="0"/>
+              <a:t>This program is inspired by the programs from the Wikipedia page:</a:t>
+            </a:r>
+            <a:br>
+              <a:rPr lang="en-US" dirty="0"/>
+            </a:br>
+            <a:r>
+              <a:rPr lang="en-US" sz="2000" dirty="0">
+                <a:hlinkClick r:id="rId2"/>
+              </a:rPr>
+              <a:t>https://en.wikipedia.org/wiki/Multiple_dispatch</a:t>
+            </a:r>
+            <a:endParaRPr lang="en-US" sz="2000" dirty="0"/>
+          </a:p>
+          <a:p>
+            <a:r>
+              <a:rPr lang="en-US" dirty="0"/>
+              <a:t>The idea is that we are given pairs of space objects and we have to write a function that determines what kind of collision we are looking at and print out messages accordingly.</a:t>
+            </a:r>
+          </a:p>
+          <a:p>
+            <a:r>
+              <a:rPr lang="en-US" dirty="0"/>
+              <a:t>We’ll start with an imperative solution to this</a:t>
+            </a:r>
+          </a:p>
+        </p:txBody>
+      </p:sp>
+    </p:spTree>
+    <p:extLst>
+      <p:ext uri="{BB962C8B-B14F-4D97-AF65-F5344CB8AC3E}">
+        <p14:creationId xmlns:p14="http://schemas.microsoft.com/office/powerpoint/2010/main" val="2188502792"/>
+      </p:ext>
+    </p:extLst>
+  </p:cSld>
+  <p:clrMapOvr>
+    <a:masterClrMapping/>
+  </p:clrMapOvr>
+</p:sld>
+</file>
+
+<file path=ppt/slides/slide14.xml><?xml version="1.0" encoding="utf-8"?>
+<p:sld xmlns:a="http://schemas.openxmlformats.org/drawingml/2006/main" xmlns:r="http://schemas.openxmlformats.org/officeDocument/2006/relationships" xmlns:p="http://schemas.openxmlformats.org/presentationml/2006/main">
+  <p:cSld>
+    <p:spTree>
+      <p:nvGrpSpPr>
+        <p:cNvPr id="1" name=""/>
+        <p:cNvGrpSpPr/>
+        <p:nvPr/>
+      </p:nvGrpSpPr>
+      <p:grpSpPr>
+        <a:xfrm>
+          <a:off x="0" y="0"/>
+          <a:ext cx="0" cy="0"/>
+          <a:chOff x="0" y="0"/>
+          <a:chExt cx="0" cy="0"/>
+        </a:xfrm>
+      </p:grpSpPr>
+      <p:sp>
+        <p:nvSpPr>
           <p:cNvPr id="2" name="Title 1">
             <a:extLst>
               <a:ext uri="{FF2B5EF4-FFF2-40B4-BE49-F238E27FC236}">
@@ -5625,7 +6240,7 @@
 </p:sld>
 </file>
 
-<file path=ppt/slides/slide12.xml><?xml version="1.0" encoding="utf-8"?>
+<file path=ppt/slides/slide15.xml><?xml version="1.0" encoding="utf-8"?>
 <p:sld xmlns:a="http://schemas.openxmlformats.org/drawingml/2006/main" xmlns:r="http://schemas.openxmlformats.org/officeDocument/2006/relationships" xmlns:p="http://schemas.openxmlformats.org/presentationml/2006/main">
   <p:cSld>
     <p:spTree>
@@ -6378,6 +6993,214 @@
           <a:p>
             <a:r>
               <a:rPr lang="en-US" dirty="0"/>
+              <a:t>Multi-Paradigm Programming - Python</a:t>
+            </a:r>
+          </a:p>
+        </p:txBody>
+      </p:sp>
+      <p:sp>
+        <p:nvSpPr>
+          <p:cNvPr id="5" name="TextBox 4">
+            <a:extLst>
+              <a:ext uri="{FF2B5EF4-FFF2-40B4-BE49-F238E27FC236}">
+                <a16:creationId xmlns:a16="http://schemas.microsoft.com/office/drawing/2014/main" id="{8A2F6B68-BC89-F744-A6D5-48AA6E508D2D}"/>
+              </a:ext>
+            </a:extLst>
+          </p:cNvPr>
+          <p:cNvSpPr txBox="1"/>
+          <p:nvPr/>
+        </p:nvSpPr>
+        <p:spPr>
+          <a:xfrm>
+            <a:off x="2219386" y="6248400"/>
+            <a:ext cx="1388522" cy="307777"/>
+          </a:xfrm>
+          <a:prstGeom prst="rect">
+            <a:avLst/>
+          </a:prstGeom>
+          <a:noFill/>
+        </p:spPr>
+        <p:txBody>
+          <a:bodyPr wrap="none" rtlCol="0">
+            <a:spAutoFit/>
+          </a:bodyPr>
+          <a:lstStyle/>
+          <a:p>
+            <a:r>
+              <a:rPr lang="en-US" sz="1400" dirty="0"/>
+              <a:t>ln017/</a:t>
+            </a:r>
+            <a:r>
+              <a:rPr lang="en-US" sz="1400" dirty="0" err="1"/>
+              <a:t>qmulti.py</a:t>
+            </a:r>
+            <a:endParaRPr lang="en-US" sz="1400" dirty="0"/>
+          </a:p>
+        </p:txBody>
+      </p:sp>
+      <p:pic>
+        <p:nvPicPr>
+          <p:cNvPr id="3" name="Picture 2">
+            <a:extLst>
+              <a:ext uri="{FF2B5EF4-FFF2-40B4-BE49-F238E27FC236}">
+                <a16:creationId xmlns:a16="http://schemas.microsoft.com/office/drawing/2014/main" id="{18FD9759-CFB8-B34B-A0AE-55499B33B930}"/>
+              </a:ext>
+            </a:extLst>
+          </p:cNvPr>
+          <p:cNvPicPr>
+            <a:picLocks noChangeAspect="1"/>
+          </p:cNvPicPr>
+          <p:nvPr/>
+        </p:nvPicPr>
+        <p:blipFill>
+          <a:blip r:embed="rId2"/>
+          <a:stretch>
+            <a:fillRect/>
+          </a:stretch>
+        </p:blipFill>
+        <p:spPr>
+          <a:xfrm>
+            <a:off x="685800" y="1905000"/>
+            <a:ext cx="4526484" cy="2349500"/>
+          </a:xfrm>
+          <a:prstGeom prst="rect">
+            <a:avLst/>
+          </a:prstGeom>
+          <a:ln>
+            <a:solidFill>
+              <a:schemeClr val="tx2"/>
+            </a:solidFill>
+          </a:ln>
+        </p:spPr>
+      </p:pic>
+      <p:sp>
+        <p:nvSpPr>
+          <p:cNvPr id="6" name="TextBox 5">
+            <a:extLst>
+              <a:ext uri="{FF2B5EF4-FFF2-40B4-BE49-F238E27FC236}">
+                <a16:creationId xmlns:a16="http://schemas.microsoft.com/office/drawing/2014/main" id="{316B9064-F493-2243-A6A3-555BC3951D26}"/>
+              </a:ext>
+            </a:extLst>
+          </p:cNvPr>
+          <p:cNvSpPr txBox="1"/>
+          <p:nvPr/>
+        </p:nvSpPr>
+        <p:spPr>
+          <a:xfrm>
+            <a:off x="5410200" y="2133600"/>
+            <a:ext cx="1298753" cy="307777"/>
+          </a:xfrm>
+          <a:prstGeom prst="rect">
+            <a:avLst/>
+          </a:prstGeom>
+          <a:noFill/>
+        </p:spPr>
+        <p:txBody>
+          <a:bodyPr wrap="none" rtlCol="0">
+            <a:spAutoFit/>
+          </a:bodyPr>
+          <a:lstStyle/>
+          <a:p>
+            <a:r>
+              <a:rPr lang="en-US" sz="1400" dirty="0"/>
+              <a:t>ln017/</a:t>
+            </a:r>
+            <a:r>
+              <a:rPr lang="en-US" sz="1400" dirty="0" err="1"/>
+              <a:t>qimp.py</a:t>
+            </a:r>
+            <a:endParaRPr lang="en-US" sz="1400" dirty="0"/>
+          </a:p>
+        </p:txBody>
+      </p:sp>
+      <p:pic>
+        <p:nvPicPr>
+          <p:cNvPr id="7" name="Picture 6">
+            <a:extLst>
+              <a:ext uri="{FF2B5EF4-FFF2-40B4-BE49-F238E27FC236}">
+                <a16:creationId xmlns:a16="http://schemas.microsoft.com/office/drawing/2014/main" id="{CBA7B191-3D05-1749-AC8C-A0018E61D835}"/>
+              </a:ext>
+            </a:extLst>
+          </p:cNvPr>
+          <p:cNvPicPr>
+            <a:picLocks noChangeAspect="1"/>
+          </p:cNvPicPr>
+          <p:nvPr/>
+        </p:nvPicPr>
+        <p:blipFill>
+          <a:blip r:embed="rId3"/>
+          <a:stretch>
+            <a:fillRect/>
+          </a:stretch>
+        </p:blipFill>
+        <p:spPr>
+          <a:xfrm>
+            <a:off x="3886200" y="3880380"/>
+            <a:ext cx="4838700" cy="2768535"/>
+          </a:xfrm>
+          <a:prstGeom prst="rect">
+            <a:avLst/>
+          </a:prstGeom>
+          <a:ln>
+            <a:solidFill>
+              <a:schemeClr val="tx2"/>
+            </a:solidFill>
+          </a:ln>
+        </p:spPr>
+      </p:pic>
+    </p:spTree>
+    <p:extLst>
+      <p:ext uri="{BB962C8B-B14F-4D97-AF65-F5344CB8AC3E}">
+        <p14:creationId xmlns:p14="http://schemas.microsoft.com/office/powerpoint/2010/main" val="3847867020"/>
+      </p:ext>
+    </p:extLst>
+  </p:cSld>
+  <p:clrMapOvr>
+    <a:masterClrMapping/>
+  </p:clrMapOvr>
+</p:sld>
+</file>
+
+<file path=ppt/slides/slide7.xml><?xml version="1.0" encoding="utf-8"?>
+<p:sld xmlns:a="http://schemas.openxmlformats.org/drawingml/2006/main" xmlns:r="http://schemas.openxmlformats.org/officeDocument/2006/relationships" xmlns:p="http://schemas.openxmlformats.org/presentationml/2006/main">
+  <p:cSld>
+    <p:spTree>
+      <p:nvGrpSpPr>
+        <p:cNvPr id="1" name=""/>
+        <p:cNvGrpSpPr/>
+        <p:nvPr/>
+      </p:nvGrpSpPr>
+      <p:grpSpPr>
+        <a:xfrm>
+          <a:off x="0" y="0"/>
+          <a:ext cx="0" cy="0"/>
+          <a:chOff x="0" y="0"/>
+          <a:chExt cx="0" cy="0"/>
+        </a:xfrm>
+      </p:grpSpPr>
+      <p:sp>
+        <p:nvSpPr>
+          <p:cNvPr id="2" name="Title 1">
+            <a:extLst>
+              <a:ext uri="{FF2B5EF4-FFF2-40B4-BE49-F238E27FC236}">
+                <a16:creationId xmlns:a16="http://schemas.microsoft.com/office/drawing/2014/main" id="{20A5A20A-E610-2C40-9927-63D2720CBC03}"/>
+              </a:ext>
+            </a:extLst>
+          </p:cNvPr>
+          <p:cNvSpPr>
+            <a:spLocks noGrp="1"/>
+          </p:cNvSpPr>
+          <p:nvPr>
+            <p:ph type="title"/>
+          </p:nvPr>
+        </p:nvSpPr>
+        <p:spPr/>
+        <p:txBody>
+          <a:bodyPr/>
+          <a:lstStyle/>
+          <a:p>
+            <a:r>
+              <a:rPr lang="en-US" dirty="0"/>
               <a:t>Constraint Patterns</a:t>
             </a:r>
           </a:p>
@@ -6493,7 +7316,7 @@
           <a:effectLst/>
           <a:extLst>
             <a:ext uri="{AF507438-7753-43e0-B8FC-AC1667EBCBE1}">
-              <a14:hiddenEffects xmlns:a14="http://schemas.microsoft.com/office/drawing/2010/main" xmlns="">
+              <a14:hiddenEffects xmlns="" xmlns:a14="http://schemas.microsoft.com/office/drawing/2010/main">
                 <a:effectLst>
                   <a:outerShdw blurRad="63500" dist="38099" dir="2700000" algn="ctr" rotWithShape="0">
                     <a:schemeClr val="bg2">
@@ -6578,7 +7401,7 @@
           <a:effectLst/>
           <a:extLst>
             <a:ext uri="{AF507438-7753-43e0-B8FC-AC1667EBCBE1}">
-              <a14:hiddenEffects xmlns:a14="http://schemas.microsoft.com/office/drawing/2010/main" xmlns="">
+              <a14:hiddenEffects xmlns="" xmlns:a14="http://schemas.microsoft.com/office/drawing/2010/main">
                 <a:effectLst>
                   <a:outerShdw blurRad="63500" dist="38099" dir="2700000" algn="ctr" rotWithShape="0">
                     <a:schemeClr val="bg2">
@@ -6663,7 +7486,7 @@
           <a:effectLst/>
           <a:extLst>
             <a:ext uri="{AF507438-7753-43e0-B8FC-AC1667EBCBE1}">
-              <a14:hiddenEffects xmlns:a14="http://schemas.microsoft.com/office/drawing/2010/main" xmlns="">
+              <a14:hiddenEffects xmlns="" xmlns:a14="http://schemas.microsoft.com/office/drawing/2010/main">
                 <a:effectLst>
                   <a:outerShdw blurRad="63500" dist="38099" dir="2700000" algn="ctr" rotWithShape="0">
                     <a:schemeClr val="bg2">
@@ -6748,7 +7571,7 @@
           <a:effectLst/>
           <a:extLst>
             <a:ext uri="{AF507438-7753-43e0-B8FC-AC1667EBCBE1}">
-              <a14:hiddenEffects xmlns:a14="http://schemas.microsoft.com/office/drawing/2010/main" xmlns="">
+              <a14:hiddenEffects xmlns="" xmlns:a14="http://schemas.microsoft.com/office/drawing/2010/main">
                 <a:effectLst>
                   <a:outerShdw blurRad="63500" dist="38099" dir="2700000" algn="ctr" rotWithShape="0">
                     <a:schemeClr val="bg2">
@@ -6811,7 +7634,7 @@
 </p:sld>
 </file>
 
-<file path=ppt/slides/slide7.xml><?xml version="1.0" encoding="utf-8"?>
+<file path=ppt/slides/slide8.xml><?xml version="1.0" encoding="utf-8"?>
 <p:sld xmlns:a="http://schemas.openxmlformats.org/drawingml/2006/main" xmlns:r="http://schemas.openxmlformats.org/officeDocument/2006/relationships" xmlns:p="http://schemas.openxmlformats.org/presentationml/2006/main">
   <p:cSld>
     <p:spTree>
@@ -6911,7 +7734,7 @@
           <p:nvPr/>
         </p:nvPicPr>
         <p:blipFill>
-          <a:blip r:embed="rId2"/>
+          <a:blip r:embed="rId3"/>
           <a:stretch>
             <a:fillRect/>
           </a:stretch>
@@ -6946,6 +7769,309 @@
         <p:spPr bwMode="auto">
           <a:xfrm>
             <a:off x="4648200" y="4066597"/>
+            <a:ext cx="457200" cy="200603"/>
+          </a:xfrm>
+          <a:prstGeom prst="leftArrow">
+            <a:avLst/>
+          </a:prstGeom>
+          <a:solidFill>
+            <a:srgbClr val="FF0000"/>
+          </a:solidFill>
+          <a:ln w="9525" cap="flat" cmpd="sng" algn="ctr">
+            <a:solidFill>
+              <a:schemeClr val="tx1"/>
+            </a:solidFill>
+            <a:prstDash val="solid"/>
+            <a:round/>
+            <a:headEnd type="none" w="med" len="med"/>
+            <a:tailEnd type="none" w="med" len="med"/>
+          </a:ln>
+          <a:effectLst/>
+          <a:extLst>
+            <a:ext uri="{AF507438-7753-43e0-B8FC-AC1667EBCBE1}">
+              <a14:hiddenEffects xmlns="" xmlns:a14="http://schemas.microsoft.com/office/drawing/2010/main">
+                <a:effectLst>
+                  <a:outerShdw blurRad="63500" dist="38099" dir="2700000" algn="ctr" rotWithShape="0">
+                    <a:schemeClr val="bg2">
+                      <a:alpha val="74998"/>
+                    </a:schemeClr>
+                  </a:outerShdw>
+                </a:effectLst>
+              </a14:hiddenEffects>
+            </a:ext>
+          </a:extLst>
+        </p:spPr>
+        <p:txBody>
+          <a:bodyPr vert="horz" wrap="square" lIns="91440" tIns="45720" rIns="91440" bIns="45720" numCol="1" rtlCol="0" anchor="t" anchorCtr="0" compatLnSpc="1">
+            <a:prstTxWarp prst="textNoShape">
+              <a:avLst/>
+            </a:prstTxWarp>
+          </a:bodyPr>
+          <a:lstStyle/>
+          <a:p>
+            <a:pPr marL="0" marR="0" indent="0" algn="l" defTabSz="914400" rtl="0" eaLnBrk="0" fontAlgn="base" latinLnBrk="0" hangingPunct="0">
+              <a:lnSpc>
+                <a:spcPct val="100000"/>
+              </a:lnSpc>
+              <a:spcBef>
+                <a:spcPct val="0"/>
+              </a:spcBef>
+              <a:spcAft>
+                <a:spcPct val="0"/>
+              </a:spcAft>
+              <a:buClrTx/>
+              <a:buSzTx/>
+              <a:buFontTx/>
+              <a:buNone/>
+              <a:tabLst/>
+            </a:pPr>
+            <a:endParaRPr kumimoji="0" lang="en-US" sz="1600" b="0" i="0" u="none" strike="noStrike" cap="none" normalizeH="0" baseline="0">
+              <a:ln>
+                <a:noFill/>
+              </a:ln>
+              <a:solidFill>
+                <a:srgbClr val="000000"/>
+              </a:solidFill>
+              <a:effectLst/>
+              <a:latin typeface="Arial" charset="0"/>
+              <a:ea typeface="ＭＳ Ｐゴシック" charset="0"/>
+            </a:endParaRPr>
+          </a:p>
+        </p:txBody>
+      </p:sp>
+      <p:sp>
+        <p:nvSpPr>
+          <p:cNvPr id="7" name="Left Arrow 6">
+            <a:extLst>
+              <a:ext uri="{FF2B5EF4-FFF2-40B4-BE49-F238E27FC236}">
+                <a16:creationId xmlns:a16="http://schemas.microsoft.com/office/drawing/2014/main" id="{84CB0201-2B11-D848-868E-7DC9D8A31CD8}"/>
+              </a:ext>
+            </a:extLst>
+          </p:cNvPr>
+          <p:cNvSpPr/>
+          <p:nvPr/>
+        </p:nvSpPr>
+        <p:spPr bwMode="auto">
+          <a:xfrm rot="19003465">
+            <a:off x="5134708" y="5867400"/>
+            <a:ext cx="457200" cy="200603"/>
+          </a:xfrm>
+          <a:prstGeom prst="leftArrow">
+            <a:avLst/>
+          </a:prstGeom>
+          <a:solidFill>
+            <a:srgbClr val="FF0000"/>
+          </a:solidFill>
+          <a:ln w="9525" cap="flat" cmpd="sng" algn="ctr">
+            <a:solidFill>
+              <a:schemeClr val="tx1"/>
+            </a:solidFill>
+            <a:prstDash val="solid"/>
+            <a:round/>
+            <a:headEnd type="none" w="med" len="med"/>
+            <a:tailEnd type="none" w="med" len="med"/>
+          </a:ln>
+          <a:effectLst/>
+          <a:extLst>
+            <a:ext uri="{AF507438-7753-43e0-B8FC-AC1667EBCBE1}">
+              <a14:hiddenEffects xmlns="" xmlns:a14="http://schemas.microsoft.com/office/drawing/2010/main">
+                <a:effectLst>
+                  <a:outerShdw blurRad="63500" dist="38099" dir="2700000" algn="ctr" rotWithShape="0">
+                    <a:schemeClr val="bg2">
+                      <a:alpha val="74998"/>
+                    </a:schemeClr>
+                  </a:outerShdw>
+                </a:effectLst>
+              </a14:hiddenEffects>
+            </a:ext>
+          </a:extLst>
+        </p:spPr>
+        <p:txBody>
+          <a:bodyPr vert="horz" wrap="square" lIns="91440" tIns="45720" rIns="91440" bIns="45720" numCol="1" rtlCol="0" anchor="t" anchorCtr="0" compatLnSpc="1">
+            <a:prstTxWarp prst="textNoShape">
+              <a:avLst/>
+            </a:prstTxWarp>
+          </a:bodyPr>
+          <a:lstStyle/>
+          <a:p>
+            <a:pPr marL="0" marR="0" indent="0" algn="l" defTabSz="914400" rtl="0" eaLnBrk="0" fontAlgn="base" latinLnBrk="0" hangingPunct="0">
+              <a:lnSpc>
+                <a:spcPct val="100000"/>
+              </a:lnSpc>
+              <a:spcBef>
+                <a:spcPct val="0"/>
+              </a:spcBef>
+              <a:spcAft>
+                <a:spcPct val="0"/>
+              </a:spcAft>
+              <a:buClrTx/>
+              <a:buSzTx/>
+              <a:buFontTx/>
+              <a:buNone/>
+              <a:tabLst/>
+            </a:pPr>
+            <a:endParaRPr kumimoji="0" lang="en-US" sz="1600" b="0" i="0" u="none" strike="noStrike" cap="none" normalizeH="0" baseline="0">
+              <a:ln>
+                <a:noFill/>
+              </a:ln>
+              <a:solidFill>
+                <a:srgbClr val="000000"/>
+              </a:solidFill>
+              <a:effectLst/>
+              <a:latin typeface="Arial" charset="0"/>
+              <a:ea typeface="ＭＳ Ｐゴシック" charset="0"/>
+            </a:endParaRPr>
+          </a:p>
+        </p:txBody>
+      </p:sp>
+    </p:spTree>
+    <p:extLst>
+      <p:ext uri="{BB962C8B-B14F-4D97-AF65-F5344CB8AC3E}">
+        <p14:creationId xmlns:p14="http://schemas.microsoft.com/office/powerpoint/2010/main" val="1798558076"/>
+      </p:ext>
+    </p:extLst>
+  </p:cSld>
+  <p:clrMapOvr>
+    <a:masterClrMapping/>
+  </p:clrMapOvr>
+</p:sld>
+</file>
+
+<file path=ppt/slides/slide9.xml><?xml version="1.0" encoding="utf-8"?>
+<p:sld xmlns:a="http://schemas.openxmlformats.org/drawingml/2006/main" xmlns:r="http://schemas.openxmlformats.org/officeDocument/2006/relationships" xmlns:p="http://schemas.openxmlformats.org/presentationml/2006/main">
+  <p:cSld>
+    <p:spTree>
+      <p:nvGrpSpPr>
+        <p:cNvPr id="1" name=""/>
+        <p:cNvGrpSpPr/>
+        <p:nvPr/>
+      </p:nvGrpSpPr>
+      <p:grpSpPr>
+        <a:xfrm>
+          <a:off x="0" y="0"/>
+          <a:ext cx="0" cy="0"/>
+          <a:chOff x="0" y="0"/>
+          <a:chExt cx="0" cy="0"/>
+        </a:xfrm>
+      </p:grpSpPr>
+      <p:pic>
+        <p:nvPicPr>
+          <p:cNvPr id="4" name="Picture 3">
+            <a:extLst>
+              <a:ext uri="{FF2B5EF4-FFF2-40B4-BE49-F238E27FC236}">
+                <a16:creationId xmlns:a16="http://schemas.microsoft.com/office/drawing/2014/main" id="{5B173287-D9DF-6548-B062-5BDF88CCA497}"/>
+              </a:ext>
+            </a:extLst>
+          </p:cNvPr>
+          <p:cNvPicPr>
+            <a:picLocks noChangeAspect="1"/>
+          </p:cNvPicPr>
+          <p:nvPr/>
+        </p:nvPicPr>
+        <p:blipFill>
+          <a:blip r:embed="rId3"/>
+          <a:stretch>
+            <a:fillRect/>
+          </a:stretch>
+        </p:blipFill>
+        <p:spPr>
+          <a:xfrm>
+            <a:off x="277987" y="2141825"/>
+            <a:ext cx="8203230" cy="3825876"/>
+          </a:xfrm>
+          <a:prstGeom prst="rect">
+            <a:avLst/>
+          </a:prstGeom>
+          <a:ln>
+            <a:solidFill>
+              <a:schemeClr val="tx2"/>
+            </a:solidFill>
+          </a:ln>
+        </p:spPr>
+      </p:pic>
+      <p:sp>
+        <p:nvSpPr>
+          <p:cNvPr id="2" name="Title 1">
+            <a:extLst>
+              <a:ext uri="{FF2B5EF4-FFF2-40B4-BE49-F238E27FC236}">
+                <a16:creationId xmlns:a16="http://schemas.microsoft.com/office/drawing/2014/main" id="{20A5A20A-E610-2C40-9927-63D2720CBC03}"/>
+              </a:ext>
+            </a:extLst>
+          </p:cNvPr>
+          <p:cNvSpPr>
+            <a:spLocks noGrp="1"/>
+          </p:cNvSpPr>
+          <p:nvPr>
+            <p:ph type="title"/>
+          </p:nvPr>
+        </p:nvSpPr>
+        <p:spPr/>
+        <p:txBody>
+          <a:bodyPr/>
+          <a:lstStyle/>
+          <a:p>
+            <a:r>
+              <a:rPr lang="en-US" dirty="0"/>
+              <a:t>Higher-Order Programming - Python</a:t>
+            </a:r>
+          </a:p>
+        </p:txBody>
+      </p:sp>
+      <p:sp>
+        <p:nvSpPr>
+          <p:cNvPr id="5" name="TextBox 4">
+            <a:extLst>
+              <a:ext uri="{FF2B5EF4-FFF2-40B4-BE49-F238E27FC236}">
+                <a16:creationId xmlns:a16="http://schemas.microsoft.com/office/drawing/2014/main" id="{8A2F6B68-BC89-F744-A6D5-48AA6E508D2D}"/>
+              </a:ext>
+            </a:extLst>
+          </p:cNvPr>
+          <p:cNvSpPr txBox="1"/>
+          <p:nvPr/>
+        </p:nvSpPr>
+        <p:spPr>
+          <a:xfrm>
+            <a:off x="7112814" y="1521023"/>
+            <a:ext cx="1348446" cy="307777"/>
+          </a:xfrm>
+          <a:prstGeom prst="rect">
+            <a:avLst/>
+          </a:prstGeom>
+          <a:noFill/>
+        </p:spPr>
+        <p:txBody>
+          <a:bodyPr wrap="none" rtlCol="0">
+            <a:spAutoFit/>
+          </a:bodyPr>
+          <a:lstStyle/>
+          <a:p>
+            <a:r>
+              <a:rPr lang="en-US" sz="1400" dirty="0"/>
+              <a:t>ln017/</a:t>
+            </a:r>
+            <a:r>
+              <a:rPr lang="en-US" sz="1400" dirty="0" err="1"/>
+              <a:t>qhigh.py</a:t>
+            </a:r>
+            <a:endParaRPr lang="en-US" sz="1400" dirty="0"/>
+          </a:p>
+        </p:txBody>
+      </p:sp>
+      <p:sp>
+        <p:nvSpPr>
+          <p:cNvPr id="6" name="Left Arrow 5">
+            <a:extLst>
+              <a:ext uri="{FF2B5EF4-FFF2-40B4-BE49-F238E27FC236}">
+                <a16:creationId xmlns:a16="http://schemas.microsoft.com/office/drawing/2014/main" id="{14112C19-A7D3-1348-9EB6-7FA778EFF89A}"/>
+              </a:ext>
+            </a:extLst>
+          </p:cNvPr>
+          <p:cNvSpPr/>
+          <p:nvPr/>
+        </p:nvSpPr>
+        <p:spPr bwMode="auto">
+          <a:xfrm rot="18687233">
+            <a:off x="4674631" y="3839595"/>
             <a:ext cx="457200" cy="200603"/>
           </a:xfrm>
           <a:prstGeom prst="leftArrow">
@@ -7030,7 +8156,7 @@
         </p:nvSpPr>
         <p:spPr bwMode="auto">
           <a:xfrm rot="19003465">
-            <a:off x="5134708" y="5867400"/>
+            <a:off x="4683312" y="5398581"/>
             <a:ext cx="457200" cy="200603"/>
           </a:xfrm>
           <a:prstGeom prst="leftArrow">
@@ -7104,186 +8230,7 @@
     </p:spTree>
     <p:extLst>
       <p:ext uri="{BB962C8B-B14F-4D97-AF65-F5344CB8AC3E}">
-        <p14:creationId xmlns:p14="http://schemas.microsoft.com/office/powerpoint/2010/main" val="1798558076"/>
-      </p:ext>
-    </p:extLst>
-  </p:cSld>
-  <p:clrMapOvr>
-    <a:masterClrMapping/>
-  </p:clrMapOvr>
-</p:sld>
-</file>
-
-<file path=ppt/slides/slide8.xml><?xml version="1.0" encoding="utf-8"?>
-<p:sld xmlns:a="http://schemas.openxmlformats.org/drawingml/2006/main" xmlns:r="http://schemas.openxmlformats.org/officeDocument/2006/relationships" xmlns:p="http://schemas.openxmlformats.org/presentationml/2006/main">
-  <p:cSld>
-    <p:spTree>
-      <p:nvGrpSpPr>
-        <p:cNvPr id="1" name=""/>
-        <p:cNvGrpSpPr/>
-        <p:nvPr/>
-      </p:nvGrpSpPr>
-      <p:grpSpPr>
-        <a:xfrm>
-          <a:off x="0" y="0"/>
-          <a:ext cx="0" cy="0"/>
-          <a:chOff x="0" y="0"/>
-          <a:chExt cx="0" cy="0"/>
-        </a:xfrm>
-      </p:grpSpPr>
-      <p:sp>
-        <p:nvSpPr>
-          <p:cNvPr id="3" name="Title 2">
-            <a:extLst>
-              <a:ext uri="{FF2B5EF4-FFF2-40B4-BE49-F238E27FC236}">
-                <a16:creationId xmlns:a16="http://schemas.microsoft.com/office/drawing/2014/main" id="{117FE473-0B34-8440-B30B-C6957F135383}"/>
-              </a:ext>
-            </a:extLst>
-          </p:cNvPr>
-          <p:cNvSpPr>
-            <a:spLocks noGrp="1"/>
-          </p:cNvSpPr>
-          <p:nvPr>
-            <p:ph type="title"/>
-          </p:nvPr>
-        </p:nvSpPr>
-        <p:spPr/>
-        <p:txBody>
-          <a:bodyPr/>
-          <a:lstStyle/>
-          <a:p>
-            <a:r>
-              <a:rPr lang="en-US" dirty="0"/>
-              <a:t>Higher-Order Programming</a:t>
-            </a:r>
-          </a:p>
-        </p:txBody>
-      </p:sp>
-      <p:sp>
-        <p:nvSpPr>
-          <p:cNvPr id="4" name="Content Placeholder 3">
-            <a:extLst>
-              <a:ext uri="{FF2B5EF4-FFF2-40B4-BE49-F238E27FC236}">
-                <a16:creationId xmlns:a16="http://schemas.microsoft.com/office/drawing/2014/main" id="{626CE476-6C79-5148-AB93-9765886A8422}"/>
-              </a:ext>
-            </a:extLst>
-          </p:cNvPr>
-          <p:cNvSpPr>
-            <a:spLocks noGrp="1"/>
-          </p:cNvSpPr>
-          <p:nvPr>
-            <p:ph idx="1"/>
-          </p:nvPr>
-        </p:nvSpPr>
-        <p:spPr/>
-        <p:txBody>
-          <a:bodyPr/>
-          <a:lstStyle/>
-          <a:p>
-            <a:r>
-              <a:rPr lang="en-US" dirty="0"/>
-              <a:t>The version quicksort that uses a passed in order predicate is interesting because it is now generic over the objects it can sort…</a:t>
-            </a:r>
-          </a:p>
-        </p:txBody>
-      </p:sp>
-    </p:spTree>
-    <p:extLst>
-      <p:ext uri="{BB962C8B-B14F-4D97-AF65-F5344CB8AC3E}">
-        <p14:creationId xmlns:p14="http://schemas.microsoft.com/office/powerpoint/2010/main" val="158015312"/>
-      </p:ext>
-    </p:extLst>
-  </p:cSld>
-  <p:clrMapOvr>
-    <a:masterClrMapping/>
-  </p:clrMapOvr>
-</p:sld>
-</file>
-
-<file path=ppt/slides/slide9.xml><?xml version="1.0" encoding="utf-8"?>
-<p:sld xmlns:a="http://schemas.openxmlformats.org/drawingml/2006/main" xmlns:r="http://schemas.openxmlformats.org/officeDocument/2006/relationships" xmlns:p="http://schemas.openxmlformats.org/presentationml/2006/main">
-  <p:cSld>
-    <p:spTree>
-      <p:nvGrpSpPr>
-        <p:cNvPr id="1" name=""/>
-        <p:cNvGrpSpPr/>
-        <p:nvPr/>
-      </p:nvGrpSpPr>
-      <p:grpSpPr>
-        <a:xfrm>
-          <a:off x="0" y="0"/>
-          <a:ext cx="0" cy="0"/>
-          <a:chOff x="0" y="0"/>
-          <a:chExt cx="0" cy="0"/>
-        </a:xfrm>
-      </p:grpSpPr>
-      <p:sp>
-        <p:nvSpPr>
-          <p:cNvPr id="3" name="Title 2">
-            <a:extLst>
-              <a:ext uri="{FF2B5EF4-FFF2-40B4-BE49-F238E27FC236}">
-                <a16:creationId xmlns:a16="http://schemas.microsoft.com/office/drawing/2014/main" id="{117FE473-0B34-8440-B30B-C6957F135383}"/>
-              </a:ext>
-            </a:extLst>
-          </p:cNvPr>
-          <p:cNvSpPr>
-            <a:spLocks noGrp="1"/>
-          </p:cNvSpPr>
-          <p:nvPr>
-            <p:ph type="title"/>
-          </p:nvPr>
-        </p:nvSpPr>
-        <p:spPr/>
-        <p:txBody>
-          <a:bodyPr/>
-          <a:lstStyle/>
-          <a:p>
-            <a:r>
-              <a:rPr lang="en-US" dirty="0"/>
-              <a:t>Higher-Order Programming</a:t>
-            </a:r>
-          </a:p>
-        </p:txBody>
-      </p:sp>
-      <p:pic>
-        <p:nvPicPr>
-          <p:cNvPr id="7" name="Picture 6">
-            <a:extLst>
-              <a:ext uri="{FF2B5EF4-FFF2-40B4-BE49-F238E27FC236}">
-                <a16:creationId xmlns:a16="http://schemas.microsoft.com/office/drawing/2014/main" id="{1667475A-3719-244D-824D-DE2C17088F45}"/>
-              </a:ext>
-            </a:extLst>
-          </p:cNvPr>
-          <p:cNvPicPr>
-            <a:picLocks noChangeAspect="1"/>
-          </p:cNvPicPr>
-          <p:nvPr/>
-        </p:nvPicPr>
-        <p:blipFill>
-          <a:blip r:embed="rId2"/>
-          <a:stretch>
-            <a:fillRect/>
-          </a:stretch>
-        </p:blipFill>
-        <p:spPr>
-          <a:xfrm>
-            <a:off x="762000" y="685800"/>
-            <a:ext cx="6514603" cy="5759450"/>
-          </a:xfrm>
-          <a:prstGeom prst="rect">
-            <a:avLst/>
-          </a:prstGeom>
-          <a:ln>
-            <a:solidFill>
-              <a:schemeClr val="tx1"/>
-            </a:solidFill>
-          </a:ln>
-        </p:spPr>
-      </p:pic>
-    </p:spTree>
-    <p:extLst>
-      <p:ext uri="{BB962C8B-B14F-4D97-AF65-F5344CB8AC3E}">
-        <p14:creationId xmlns:p14="http://schemas.microsoft.com/office/powerpoint/2010/main" val="2315123967"/>
+        <p14:creationId xmlns:p14="http://schemas.microsoft.com/office/powerpoint/2010/main" val="516949560"/>
       </p:ext>
     </p:extLst>
   </p:cSld>
@@ -7539,7 +8486,7 @@
         <a:effectLst/>
         <a:extLst>
           <a:ext uri="{AF507438-7753-43e0-B8FC-AC1667EBCBE1}">
-            <a14:hiddenEffects xmlns="" xmlns:a14="http://schemas.microsoft.com/office/drawing/2010/main">
+            <a14:hiddenEffects xmlns:a14="http://schemas.microsoft.com/office/drawing/2010/main" xmlns="">
               <a:effectLst>
                 <a:outerShdw blurRad="63500" dist="38099" dir="2700000" algn="ctr" rotWithShape="0">
                   <a:schemeClr val="bg2">
@@ -7615,7 +8562,7 @@
         <a:effectLst/>
         <a:extLst>
           <a:ext uri="{AF507438-7753-43e0-B8FC-AC1667EBCBE1}">
-            <a14:hiddenEffects xmlns="" xmlns:a14="http://schemas.microsoft.com/office/drawing/2010/main">
+            <a14:hiddenEffects xmlns:a14="http://schemas.microsoft.com/office/drawing/2010/main" xmlns="">
               <a:effectLst>
                 <a:outerShdw blurRad="63500" dist="38099" dir="2700000" algn="ctr" rotWithShape="0">
                   <a:schemeClr val="bg2">

--- a/notes/csc493-ln017.pptx
+++ b/notes/csc493-ln017.pptx
@@ -7719,211 +7719,232 @@
           </a:p>
         </p:txBody>
       </p:sp>
-      <p:pic>
-        <p:nvPicPr>
-          <p:cNvPr id="3" name="Picture 2">
-            <a:extLst>
-              <a:ext uri="{FF2B5EF4-FFF2-40B4-BE49-F238E27FC236}">
-                <a16:creationId xmlns:a16="http://schemas.microsoft.com/office/drawing/2014/main" id="{2FACF37A-CFC3-2F4B-8E9C-3F8F06201D41}"/>
-              </a:ext>
-            </a:extLst>
-          </p:cNvPr>
-          <p:cNvPicPr>
-            <a:picLocks noChangeAspect="1"/>
-          </p:cNvPicPr>
+      <p:grpSp>
+        <p:nvGrpSpPr>
+          <p:cNvPr id="4" name="Group 3">
+            <a:extLst>
+              <a:ext uri="{FF2B5EF4-FFF2-40B4-BE49-F238E27FC236}">
+                <a16:creationId xmlns:a16="http://schemas.microsoft.com/office/drawing/2014/main" id="{6D7878DE-8837-B94B-B3B4-795B1ED0EF18}"/>
+              </a:ext>
+            </a:extLst>
+          </p:cNvPr>
+          <p:cNvGrpSpPr/>
           <p:nvPr/>
-        </p:nvPicPr>
-        <p:blipFill>
-          <a:blip r:embed="rId3"/>
-          <a:stretch>
-            <a:fillRect/>
-          </a:stretch>
-        </p:blipFill>
-        <p:spPr>
+        </p:nvGrpSpPr>
+        <p:grpSpPr>
           <a:xfrm>
-            <a:off x="1327150" y="1635679"/>
+            <a:off x="1327150" y="1691364"/>
             <a:ext cx="7207250" cy="5014236"/>
+            <a:chOff x="1327150" y="1635679"/>
+            <a:chExt cx="7207250" cy="5014236"/>
           </a:xfrm>
-          <a:prstGeom prst="rect">
-            <a:avLst/>
-          </a:prstGeom>
-          <a:ln>
+        </p:grpSpPr>
+        <p:pic>
+          <p:nvPicPr>
+            <p:cNvPr id="3" name="Picture 2">
+              <a:extLst>
+                <a:ext uri="{FF2B5EF4-FFF2-40B4-BE49-F238E27FC236}">
+                  <a16:creationId xmlns:a16="http://schemas.microsoft.com/office/drawing/2014/main" id="{2FACF37A-CFC3-2F4B-8E9C-3F8F06201D41}"/>
+                </a:ext>
+              </a:extLst>
+            </p:cNvPr>
+            <p:cNvPicPr>
+              <a:picLocks noChangeAspect="1"/>
+            </p:cNvPicPr>
+            <p:nvPr/>
+          </p:nvPicPr>
+          <p:blipFill>
+            <a:blip r:embed="rId3"/>
+            <a:stretch>
+              <a:fillRect/>
+            </a:stretch>
+          </p:blipFill>
+          <p:spPr>
+            <a:xfrm>
+              <a:off x="1327150" y="1635679"/>
+              <a:ext cx="7207250" cy="5014236"/>
+            </a:xfrm>
+            <a:prstGeom prst="rect">
+              <a:avLst/>
+            </a:prstGeom>
+            <a:ln>
+              <a:solidFill>
+                <a:schemeClr val="tx2"/>
+              </a:solidFill>
+            </a:ln>
+          </p:spPr>
+        </p:pic>
+        <p:sp>
+          <p:nvSpPr>
+            <p:cNvPr id="6" name="Left Arrow 5">
+              <a:extLst>
+                <a:ext uri="{FF2B5EF4-FFF2-40B4-BE49-F238E27FC236}">
+                  <a16:creationId xmlns:a16="http://schemas.microsoft.com/office/drawing/2014/main" id="{14112C19-A7D3-1348-9EB6-7FA778EFF89A}"/>
+                </a:ext>
+              </a:extLst>
+            </p:cNvPr>
+            <p:cNvSpPr/>
+            <p:nvPr/>
+          </p:nvSpPr>
+          <p:spPr bwMode="auto">
+            <a:xfrm>
+              <a:off x="4648200" y="4066597"/>
+              <a:ext cx="457200" cy="200603"/>
+            </a:xfrm>
+            <a:prstGeom prst="leftArrow">
+              <a:avLst/>
+            </a:prstGeom>
             <a:solidFill>
-              <a:schemeClr val="tx2"/>
+              <a:srgbClr val="FF0000"/>
             </a:solidFill>
-          </a:ln>
-        </p:spPr>
-      </p:pic>
-      <p:sp>
-        <p:nvSpPr>
-          <p:cNvPr id="6" name="Left Arrow 5">
-            <a:extLst>
-              <a:ext uri="{FF2B5EF4-FFF2-40B4-BE49-F238E27FC236}">
-                <a16:creationId xmlns:a16="http://schemas.microsoft.com/office/drawing/2014/main" id="{14112C19-A7D3-1348-9EB6-7FA778EFF89A}"/>
-              </a:ext>
-            </a:extLst>
-          </p:cNvPr>
-          <p:cNvSpPr/>
-          <p:nvPr/>
-        </p:nvSpPr>
-        <p:spPr bwMode="auto">
-          <a:xfrm>
-            <a:off x="4648200" y="4066597"/>
-            <a:ext cx="457200" cy="200603"/>
-          </a:xfrm>
-          <a:prstGeom prst="leftArrow">
-            <a:avLst/>
-          </a:prstGeom>
-          <a:solidFill>
-            <a:srgbClr val="FF0000"/>
-          </a:solidFill>
-          <a:ln w="9525" cap="flat" cmpd="sng" algn="ctr">
+            <a:ln w="9525" cap="flat" cmpd="sng" algn="ctr">
+              <a:solidFill>
+                <a:schemeClr val="tx1"/>
+              </a:solidFill>
+              <a:prstDash val="solid"/>
+              <a:round/>
+              <a:headEnd type="none" w="med" len="med"/>
+              <a:tailEnd type="none" w="med" len="med"/>
+            </a:ln>
+            <a:effectLst/>
+            <a:extLst>
+              <a:ext uri="{AF507438-7753-43e0-B8FC-AC1667EBCBE1}">
+                <a14:hiddenEffects xmlns="" xmlns:a14="http://schemas.microsoft.com/office/drawing/2010/main">
+                  <a:effectLst>
+                    <a:outerShdw blurRad="63500" dist="38099" dir="2700000" algn="ctr" rotWithShape="0">
+                      <a:schemeClr val="bg2">
+                        <a:alpha val="74998"/>
+                      </a:schemeClr>
+                    </a:outerShdw>
+                  </a:effectLst>
+                </a14:hiddenEffects>
+              </a:ext>
+            </a:extLst>
+          </p:spPr>
+          <p:txBody>
+            <a:bodyPr vert="horz" wrap="square" lIns="91440" tIns="45720" rIns="91440" bIns="45720" numCol="1" rtlCol="0" anchor="t" anchorCtr="0" compatLnSpc="1">
+              <a:prstTxWarp prst="textNoShape">
+                <a:avLst/>
+              </a:prstTxWarp>
+            </a:bodyPr>
+            <a:lstStyle/>
+            <a:p>
+              <a:pPr marL="0" marR="0" indent="0" algn="l" defTabSz="914400" rtl="0" eaLnBrk="0" fontAlgn="base" latinLnBrk="0" hangingPunct="0">
+                <a:lnSpc>
+                  <a:spcPct val="100000"/>
+                </a:lnSpc>
+                <a:spcBef>
+                  <a:spcPct val="0"/>
+                </a:spcBef>
+                <a:spcAft>
+                  <a:spcPct val="0"/>
+                </a:spcAft>
+                <a:buClrTx/>
+                <a:buSzTx/>
+                <a:buFontTx/>
+                <a:buNone/>
+                <a:tabLst/>
+              </a:pPr>
+              <a:endParaRPr kumimoji="0" lang="en-US" sz="1600" b="0" i="0" u="none" strike="noStrike" cap="none" normalizeH="0" baseline="0">
+                <a:ln>
+                  <a:noFill/>
+                </a:ln>
+                <a:solidFill>
+                  <a:srgbClr val="000000"/>
+                </a:solidFill>
+                <a:effectLst/>
+                <a:latin typeface="Arial" charset="0"/>
+                <a:ea typeface="ＭＳ Ｐゴシック" charset="0"/>
+              </a:endParaRPr>
+            </a:p>
+          </p:txBody>
+        </p:sp>
+        <p:sp>
+          <p:nvSpPr>
+            <p:cNvPr id="7" name="Left Arrow 6">
+              <a:extLst>
+                <a:ext uri="{FF2B5EF4-FFF2-40B4-BE49-F238E27FC236}">
+                  <a16:creationId xmlns:a16="http://schemas.microsoft.com/office/drawing/2014/main" id="{84CB0201-2B11-D848-868E-7DC9D8A31CD8}"/>
+                </a:ext>
+              </a:extLst>
+            </p:cNvPr>
+            <p:cNvSpPr/>
+            <p:nvPr/>
+          </p:nvSpPr>
+          <p:spPr bwMode="auto">
+            <a:xfrm rot="19003465">
+              <a:off x="5134708" y="5867400"/>
+              <a:ext cx="457200" cy="200603"/>
+            </a:xfrm>
+            <a:prstGeom prst="leftArrow">
+              <a:avLst/>
+            </a:prstGeom>
             <a:solidFill>
-              <a:schemeClr val="tx1"/>
+              <a:srgbClr val="FF0000"/>
             </a:solidFill>
-            <a:prstDash val="solid"/>
-            <a:round/>
-            <a:headEnd type="none" w="med" len="med"/>
-            <a:tailEnd type="none" w="med" len="med"/>
-          </a:ln>
-          <a:effectLst/>
-          <a:extLst>
-            <a:ext uri="{AF507438-7753-43e0-B8FC-AC1667EBCBE1}">
-              <a14:hiddenEffects xmlns="" xmlns:a14="http://schemas.microsoft.com/office/drawing/2010/main">
-                <a:effectLst>
-                  <a:outerShdw blurRad="63500" dist="38099" dir="2700000" algn="ctr" rotWithShape="0">
-                    <a:schemeClr val="bg2">
-                      <a:alpha val="74998"/>
-                    </a:schemeClr>
-                  </a:outerShdw>
-                </a:effectLst>
-              </a14:hiddenEffects>
-            </a:ext>
-          </a:extLst>
-        </p:spPr>
-        <p:txBody>
-          <a:bodyPr vert="horz" wrap="square" lIns="91440" tIns="45720" rIns="91440" bIns="45720" numCol="1" rtlCol="0" anchor="t" anchorCtr="0" compatLnSpc="1">
-            <a:prstTxWarp prst="textNoShape">
-              <a:avLst/>
-            </a:prstTxWarp>
-          </a:bodyPr>
-          <a:lstStyle/>
-          <a:p>
-            <a:pPr marL="0" marR="0" indent="0" algn="l" defTabSz="914400" rtl="0" eaLnBrk="0" fontAlgn="base" latinLnBrk="0" hangingPunct="0">
-              <a:lnSpc>
-                <a:spcPct val="100000"/>
-              </a:lnSpc>
-              <a:spcBef>
-                <a:spcPct val="0"/>
-              </a:spcBef>
-              <a:spcAft>
-                <a:spcPct val="0"/>
-              </a:spcAft>
-              <a:buClrTx/>
-              <a:buSzTx/>
-              <a:buFontTx/>
-              <a:buNone/>
-              <a:tabLst/>
-            </a:pPr>
-            <a:endParaRPr kumimoji="0" lang="en-US" sz="1600" b="0" i="0" u="none" strike="noStrike" cap="none" normalizeH="0" baseline="0">
-              <a:ln>
-                <a:noFill/>
-              </a:ln>
+            <a:ln w="9525" cap="flat" cmpd="sng" algn="ctr">
               <a:solidFill>
-                <a:srgbClr val="000000"/>
+                <a:schemeClr val="tx1"/>
               </a:solidFill>
-              <a:effectLst/>
-              <a:latin typeface="Arial" charset="0"/>
-              <a:ea typeface="ＭＳ Ｐゴシック" charset="0"/>
-            </a:endParaRPr>
-          </a:p>
-        </p:txBody>
-      </p:sp>
-      <p:sp>
-        <p:nvSpPr>
-          <p:cNvPr id="7" name="Left Arrow 6">
-            <a:extLst>
-              <a:ext uri="{FF2B5EF4-FFF2-40B4-BE49-F238E27FC236}">
-                <a16:creationId xmlns:a16="http://schemas.microsoft.com/office/drawing/2014/main" id="{84CB0201-2B11-D848-868E-7DC9D8A31CD8}"/>
-              </a:ext>
-            </a:extLst>
-          </p:cNvPr>
-          <p:cNvSpPr/>
-          <p:nvPr/>
-        </p:nvSpPr>
-        <p:spPr bwMode="auto">
-          <a:xfrm rot="19003465">
-            <a:off x="5134708" y="5867400"/>
-            <a:ext cx="457200" cy="200603"/>
-          </a:xfrm>
-          <a:prstGeom prst="leftArrow">
-            <a:avLst/>
-          </a:prstGeom>
-          <a:solidFill>
-            <a:srgbClr val="FF0000"/>
-          </a:solidFill>
-          <a:ln w="9525" cap="flat" cmpd="sng" algn="ctr">
-            <a:solidFill>
-              <a:schemeClr val="tx1"/>
-            </a:solidFill>
-            <a:prstDash val="solid"/>
-            <a:round/>
-            <a:headEnd type="none" w="med" len="med"/>
-            <a:tailEnd type="none" w="med" len="med"/>
-          </a:ln>
-          <a:effectLst/>
-          <a:extLst>
-            <a:ext uri="{AF507438-7753-43e0-B8FC-AC1667EBCBE1}">
-              <a14:hiddenEffects xmlns="" xmlns:a14="http://schemas.microsoft.com/office/drawing/2010/main">
-                <a:effectLst>
-                  <a:outerShdw blurRad="63500" dist="38099" dir="2700000" algn="ctr" rotWithShape="0">
-                    <a:schemeClr val="bg2">
-                      <a:alpha val="74998"/>
-                    </a:schemeClr>
-                  </a:outerShdw>
-                </a:effectLst>
-              </a14:hiddenEffects>
-            </a:ext>
-          </a:extLst>
-        </p:spPr>
-        <p:txBody>
-          <a:bodyPr vert="horz" wrap="square" lIns="91440" tIns="45720" rIns="91440" bIns="45720" numCol="1" rtlCol="0" anchor="t" anchorCtr="0" compatLnSpc="1">
-            <a:prstTxWarp prst="textNoShape">
-              <a:avLst/>
-            </a:prstTxWarp>
-          </a:bodyPr>
-          <a:lstStyle/>
-          <a:p>
-            <a:pPr marL="0" marR="0" indent="0" algn="l" defTabSz="914400" rtl="0" eaLnBrk="0" fontAlgn="base" latinLnBrk="0" hangingPunct="0">
-              <a:lnSpc>
-                <a:spcPct val="100000"/>
-              </a:lnSpc>
-              <a:spcBef>
-                <a:spcPct val="0"/>
-              </a:spcBef>
-              <a:spcAft>
-                <a:spcPct val="0"/>
-              </a:spcAft>
-              <a:buClrTx/>
-              <a:buSzTx/>
-              <a:buFontTx/>
-              <a:buNone/>
-              <a:tabLst/>
-            </a:pPr>
-            <a:endParaRPr kumimoji="0" lang="en-US" sz="1600" b="0" i="0" u="none" strike="noStrike" cap="none" normalizeH="0" baseline="0">
-              <a:ln>
-                <a:noFill/>
-              </a:ln>
-              <a:solidFill>
-                <a:srgbClr val="000000"/>
-              </a:solidFill>
-              <a:effectLst/>
-              <a:latin typeface="Arial" charset="0"/>
-              <a:ea typeface="ＭＳ Ｐゴシック" charset="0"/>
-            </a:endParaRPr>
-          </a:p>
-        </p:txBody>
-      </p:sp>
+              <a:prstDash val="solid"/>
+              <a:round/>
+              <a:headEnd type="none" w="med" len="med"/>
+              <a:tailEnd type="none" w="med" len="med"/>
+            </a:ln>
+            <a:effectLst/>
+            <a:extLst>
+              <a:ext uri="{AF507438-7753-43e0-B8FC-AC1667EBCBE1}">
+                <a14:hiddenEffects xmlns="" xmlns:a14="http://schemas.microsoft.com/office/drawing/2010/main">
+                  <a:effectLst>
+                    <a:outerShdw blurRad="63500" dist="38099" dir="2700000" algn="ctr" rotWithShape="0">
+                      <a:schemeClr val="bg2">
+                        <a:alpha val="74998"/>
+                      </a:schemeClr>
+                    </a:outerShdw>
+                  </a:effectLst>
+                </a14:hiddenEffects>
+              </a:ext>
+            </a:extLst>
+          </p:spPr>
+          <p:txBody>
+            <a:bodyPr vert="horz" wrap="square" lIns="91440" tIns="45720" rIns="91440" bIns="45720" numCol="1" rtlCol="0" anchor="t" anchorCtr="0" compatLnSpc="1">
+              <a:prstTxWarp prst="textNoShape">
+                <a:avLst/>
+              </a:prstTxWarp>
+            </a:bodyPr>
+            <a:lstStyle/>
+            <a:p>
+              <a:pPr marL="0" marR="0" indent="0" algn="l" defTabSz="914400" rtl="0" eaLnBrk="0" fontAlgn="base" latinLnBrk="0" hangingPunct="0">
+                <a:lnSpc>
+                  <a:spcPct val="100000"/>
+                </a:lnSpc>
+                <a:spcBef>
+                  <a:spcPct val="0"/>
+                </a:spcBef>
+                <a:spcAft>
+                  <a:spcPct val="0"/>
+                </a:spcAft>
+                <a:buClrTx/>
+                <a:buSzTx/>
+                <a:buFontTx/>
+                <a:buNone/>
+                <a:tabLst/>
+              </a:pPr>
+              <a:endParaRPr kumimoji="0" lang="en-US" sz="1600" b="0" i="0" u="none" strike="noStrike" cap="none" normalizeH="0" baseline="0">
+                <a:ln>
+                  <a:noFill/>
+                </a:ln>
+                <a:solidFill>
+                  <a:srgbClr val="000000"/>
+                </a:solidFill>
+                <a:effectLst/>
+                <a:latin typeface="Arial" charset="0"/>
+                <a:ea typeface="ＭＳ Ｐゴシック" charset="0"/>
+              </a:endParaRPr>
+            </a:p>
+          </p:txBody>
+        </p:sp>
+      </p:grpSp>
     </p:spTree>
     <p:extLst>
       <p:ext uri="{BB962C8B-B14F-4D97-AF65-F5344CB8AC3E}">
